--- a/sessions/01-Day/012-Afternoon/012-01-Presentation.pptx
+++ b/sessions/01-Day/012-Afternoon/012-01-Presentation.pptx
@@ -45,7 +45,6 @@
     <p:sldId id="271" r:id="rId40"/>
     <p:sldId id="272" r:id="rId41"/>
     <p:sldId id="273" r:id="rId42"/>
-    <p:sldId id="274" r:id="rId43"/>
   </p:sldIdLst>
   <p:sldSz cx="9144000" cy="5143500"/>
   <p:notesSz cx="7559675" cy="10691813"/>
@@ -163,7 +162,7 @@
         <p:txBody>
           <a:bodyPr/>
           <a:p>
-            <a:fld id="{81850734-8331-49EF-8B42-CC7F5B5C7F85}" type="slidenum">
+            <a:fld id="{A1AAF8BF-4309-4276-B99E-5083A0825678}" type="slidenum">
               <a:t>&lt;#&gt;</a:t>
             </a:fld>
           </a:p>
@@ -205,7 +204,7 @@
         <p:txBody>
           <a:bodyPr/>
           <a:p>
-            <a:fld id="{7CCF9227-4F04-40EA-BE9B-962C2FE919D3}" type="slidenum">
+            <a:fld id="{E1945D0C-F8E7-4B2A-83D4-C6DFBAD43B3F}" type="slidenum">
               <a:t>&lt;#&gt;</a:t>
             </a:fld>
           </a:p>
@@ -247,7 +246,7 @@
         <p:txBody>
           <a:bodyPr/>
           <a:p>
-            <a:fld id="{BDC40232-84C4-4EE1-A78D-C4C7B32B966D}" type="slidenum">
+            <a:fld id="{BA76427B-671D-4AC5-B53D-C0FDE5960F60}" type="slidenum">
               <a:t>&lt;#&gt;</a:t>
             </a:fld>
           </a:p>
@@ -277,7 +276,7 @@
       </p:grpSpPr>
       <p:sp>
         <p:nvSpPr>
-          <p:cNvPr id="73" name="PlaceHolder 1"/>
+          <p:cNvPr id="71" name="PlaceHolder 1"/>
           <p:cNvSpPr>
             <a:spLocks noGrp="1"/>
           </p:cNvSpPr>
@@ -317,7 +316,7 @@
       </p:sp>
       <p:sp>
         <p:nvSpPr>
-          <p:cNvPr id="74" name="PlaceHolder 2"/>
+          <p:cNvPr id="72" name="PlaceHolder 2"/>
           <p:cNvSpPr>
             <a:spLocks noGrp="1"/>
           </p:cNvSpPr>
@@ -372,7 +371,7 @@
         <p:txBody>
           <a:bodyPr/>
           <a:p>
-            <a:fld id="{1C9956EF-7C14-4BFC-8A4C-9B84474DFEFF}" type="slidenum">
+            <a:fld id="{21808B04-70EF-422E-A1E7-F123F5A4069E}" type="slidenum">
               <a:t>&lt;#&gt;</a:t>
             </a:fld>
           </a:p>
@@ -414,7 +413,7 @@
         <p:txBody>
           <a:bodyPr/>
           <a:p>
-            <a:fld id="{9EC94AC7-5DD2-4D3A-9FF9-46509163D3D6}" type="slidenum">
+            <a:fld id="{7702BEE9-C5C6-41C9-ABF5-C46793C7D1D7}" type="slidenum">
               <a:t>&lt;#&gt;</a:t>
             </a:fld>
           </a:p>
@@ -456,7 +455,7 @@
         <p:txBody>
           <a:bodyPr/>
           <a:p>
-            <a:fld id="{8E060CA7-2157-4582-B4AC-6A8B4058AEED}" type="slidenum">
+            <a:fld id="{E3356497-0D5B-44C1-B767-F926C00EF111}" type="slidenum">
               <a:t>&lt;#&gt;</a:t>
             </a:fld>
           </a:p>
@@ -486,7 +485,7 @@
       </p:grpSpPr>
       <p:sp>
         <p:nvSpPr>
-          <p:cNvPr id="92" name="PlaceHolder 1"/>
+          <p:cNvPr id="90" name="PlaceHolder 1"/>
           <p:cNvSpPr>
             <a:spLocks noGrp="1"/>
           </p:cNvSpPr>
@@ -526,7 +525,7 @@
       </p:sp>
       <p:sp>
         <p:nvSpPr>
-          <p:cNvPr id="93" name="PlaceHolder 2"/>
+          <p:cNvPr id="91" name="PlaceHolder 2"/>
           <p:cNvSpPr>
             <a:spLocks noGrp="1"/>
           </p:cNvSpPr>
@@ -581,7 +580,7 @@
         <p:txBody>
           <a:bodyPr/>
           <a:p>
-            <a:fld id="{2A435E09-6C0B-4815-A345-ED2C43765352}" type="slidenum">
+            <a:fld id="{CB827CE1-7DFF-41E6-BDC9-D35AB79D6933}" type="slidenum">
               <a:t>&lt;#&gt;</a:t>
             </a:fld>
           </a:p>
@@ -611,7 +610,7 @@
       </p:grpSpPr>
       <p:sp>
         <p:nvSpPr>
-          <p:cNvPr id="101" name="PlaceHolder 1"/>
+          <p:cNvPr id="99" name="PlaceHolder 1"/>
           <p:cNvSpPr>
             <a:spLocks noGrp="1"/>
           </p:cNvSpPr>
@@ -651,7 +650,7 @@
       </p:sp>
       <p:sp>
         <p:nvSpPr>
-          <p:cNvPr id="102" name="PlaceHolder 2"/>
+          <p:cNvPr id="100" name="PlaceHolder 2"/>
           <p:cNvSpPr>
             <a:spLocks noGrp="1"/>
           </p:cNvSpPr>
@@ -706,7 +705,7 @@
         <p:txBody>
           <a:bodyPr/>
           <a:p>
-            <a:fld id="{E1117E6A-C44C-4F63-B073-5B4C8E3531CA}" type="slidenum">
+            <a:fld id="{B11D7E1B-9CEF-436A-85D4-7F3ABEECA9CB}" type="slidenum">
               <a:t>&lt;#&gt;</a:t>
             </a:fld>
           </a:p>
@@ -748,7 +747,7 @@
         <p:txBody>
           <a:bodyPr/>
           <a:p>
-            <a:fld id="{1C798461-6711-49F3-9A5B-4399EA690E48}" type="slidenum">
+            <a:fld id="{B591AC55-B7B5-455F-AE29-97920652EB93}" type="slidenum">
               <a:t>&lt;#&gt;</a:t>
             </a:fld>
           </a:p>
@@ -778,7 +777,7 @@
       </p:grpSpPr>
       <p:sp>
         <p:nvSpPr>
-          <p:cNvPr id="114" name="PlaceHolder 1"/>
+          <p:cNvPr id="112" name="PlaceHolder 1"/>
           <p:cNvSpPr>
             <a:spLocks noGrp="1"/>
           </p:cNvSpPr>
@@ -818,7 +817,7 @@
       </p:sp>
       <p:sp>
         <p:nvSpPr>
-          <p:cNvPr id="115" name="PlaceHolder 2"/>
+          <p:cNvPr id="113" name="PlaceHolder 2"/>
           <p:cNvSpPr>
             <a:spLocks noGrp="1"/>
           </p:cNvSpPr>
@@ -873,7 +872,7 @@
         <p:txBody>
           <a:bodyPr/>
           <a:p>
-            <a:fld id="{83E7B631-6AC5-465D-9A67-DC77CD226E9D}" type="slidenum">
+            <a:fld id="{59A5AF9E-8B82-4FEF-A6F4-22A9F2F4D998}" type="slidenum">
               <a:t>&lt;#&gt;</a:t>
             </a:fld>
           </a:p>
@@ -903,7 +902,7 @@
       </p:grpSpPr>
       <p:sp>
         <p:nvSpPr>
-          <p:cNvPr id="123" name="PlaceHolder 1"/>
+          <p:cNvPr id="121" name="PlaceHolder 1"/>
           <p:cNvSpPr>
             <a:spLocks noGrp="1"/>
           </p:cNvSpPr>
@@ -943,7 +942,7 @@
       </p:sp>
       <p:sp>
         <p:nvSpPr>
-          <p:cNvPr id="124" name="PlaceHolder 2"/>
+          <p:cNvPr id="122" name="PlaceHolder 2"/>
           <p:cNvSpPr>
             <a:spLocks noGrp="1"/>
           </p:cNvSpPr>
@@ -998,7 +997,7 @@
         <p:txBody>
           <a:bodyPr/>
           <a:p>
-            <a:fld id="{4B3AEBF1-8934-4553-96C9-D4801FE7CD17}" type="slidenum">
+            <a:fld id="{B04FE1CD-1E15-48FC-93FB-DCD922A087D0}" type="slidenum">
               <a:t>&lt;#&gt;</a:t>
             </a:fld>
           </a:p>
@@ -1040,7 +1039,7 @@
         <p:txBody>
           <a:bodyPr/>
           <a:p>
-            <a:fld id="{CA0F35BB-A764-410A-B886-673EC68D3814}" type="slidenum">
+            <a:fld id="{0122DC06-E809-4D25-A615-00220F2DE9FE}" type="slidenum">
               <a:t>&lt;#&gt;</a:t>
             </a:fld>
           </a:p>
@@ -1070,7 +1069,7 @@
       </p:grpSpPr>
       <p:sp>
         <p:nvSpPr>
-          <p:cNvPr id="132" name="PlaceHolder 1"/>
+          <p:cNvPr id="130" name="PlaceHolder 1"/>
           <p:cNvSpPr>
             <a:spLocks noGrp="1"/>
           </p:cNvSpPr>
@@ -1110,7 +1109,7 @@
       </p:sp>
       <p:sp>
         <p:nvSpPr>
-          <p:cNvPr id="133" name="PlaceHolder 2"/>
+          <p:cNvPr id="131" name="PlaceHolder 2"/>
           <p:cNvSpPr>
             <a:spLocks noGrp="1"/>
           </p:cNvSpPr>
@@ -1165,7 +1164,7 @@
         <p:txBody>
           <a:bodyPr/>
           <a:p>
-            <a:fld id="{7FC740FA-7826-434E-B943-DD5C2556ED57}" type="slidenum">
+            <a:fld id="{0A6CA2A6-9025-44A1-B08A-8CA6354AC8CD}" type="slidenum">
               <a:t>&lt;#&gt;</a:t>
             </a:fld>
           </a:p>
@@ -1207,7 +1206,7 @@
         <p:txBody>
           <a:bodyPr/>
           <a:p>
-            <a:fld id="{9D6B9ACD-39B8-4219-B9BC-F23F5AA23782}" type="slidenum">
+            <a:fld id="{CE9B9224-EFA4-4D06-B891-E9869BBA2544}" type="slidenum">
               <a:t>&lt;#&gt;</a:t>
             </a:fld>
           </a:p>
@@ -1249,7 +1248,7 @@
         <p:txBody>
           <a:bodyPr/>
           <a:p>
-            <a:fld id="{7AF96B96-03C4-45D5-A183-3E28F94F8CD8}" type="slidenum">
+            <a:fld id="{51EA41F1-A4F9-437C-A05D-248D081CCDD1}" type="slidenum">
               <a:t>&lt;#&gt;</a:t>
             </a:fld>
           </a:p>
@@ -1291,7 +1290,7 @@
         <p:txBody>
           <a:bodyPr/>
           <a:p>
-            <a:fld id="{61AA168A-8A58-4ED3-9DA2-9218962AD97C}" type="slidenum">
+            <a:fld id="{90F94114-8566-419A-852E-07513C581F51}" type="slidenum">
               <a:t>&lt;#&gt;</a:t>
             </a:fld>
           </a:p>
@@ -1333,7 +1332,7 @@
         <p:txBody>
           <a:bodyPr/>
           <a:p>
-            <a:fld id="{D8D1B588-EDAB-4F6A-AD9E-15E9EA288A6D}" type="slidenum">
+            <a:fld id="{8168B572-0F86-4A4C-8B42-7634F78AFB3B}" type="slidenum">
               <a:t>&lt;#&gt;</a:t>
             </a:fld>
           </a:p>
@@ -1375,7 +1374,7 @@
         <p:txBody>
           <a:bodyPr/>
           <a:p>
-            <a:fld id="{D0263508-8807-4CF8-90EB-90F94C45CAC3}" type="slidenum">
+            <a:fld id="{96EBB758-81E3-434F-BA0F-4DAFFF252C74}" type="slidenum">
               <a:t>&lt;#&gt;</a:t>
             </a:fld>
           </a:p>
@@ -1500,7 +1499,7 @@
         <p:txBody>
           <a:bodyPr/>
           <a:p>
-            <a:fld id="{8785060F-B4CC-4080-B31D-5AC78BC60F26}" type="slidenum">
+            <a:fld id="{26844331-64E9-4A46-B572-192680CABBAF}" type="slidenum">
               <a:t>&lt;#&gt;</a:t>
             </a:fld>
           </a:p>
@@ -1668,7 +1667,7 @@
         <p:txBody>
           <a:bodyPr/>
           <a:p>
-            <a:fld id="{20F1089F-2475-4446-94EE-D4DBA89668D7}" type="slidenum">
+            <a:fld id="{AD0E4798-8A6A-4B55-8FCE-7E2AECE987CC}" type="slidenum">
               <a:t>&lt;#&gt;</a:t>
             </a:fld>
           </a:p>
@@ -1750,7 +1749,7 @@
         <p:txBody>
           <a:bodyPr/>
           <a:p>
-            <a:fld id="{2671B6E2-8F0B-47DE-9CF5-5C5263E3AC84}" type="slidenum">
+            <a:fld id="{8CEFC422-B8B3-4E2D-B882-D28343463D98}" type="slidenum">
               <a:t>&lt;#&gt;</a:t>
             </a:fld>
           </a:p>
@@ -1792,7 +1791,7 @@
         <p:txBody>
           <a:bodyPr/>
           <a:p>
-            <a:fld id="{2ACCACAB-526B-4D1C-BFBE-7C46DE1F1491}" type="slidenum">
+            <a:fld id="{B37E2985-2983-4004-8748-189F4D06B7D6}" type="slidenum">
               <a:t>&lt;#&gt;</a:t>
             </a:fld>
           </a:p>
@@ -1834,7 +1833,7 @@
         <p:txBody>
           <a:bodyPr/>
           <a:p>
-            <a:fld id="{678752AB-53A6-464D-BC1D-0D7E3AED28CC}" type="slidenum">
+            <a:fld id="{1EAB434B-16F0-410C-86E4-C58E6E538776}" type="slidenum">
               <a:t>&lt;#&gt;</a:t>
             </a:fld>
           </a:p>
@@ -1878,7 +1877,7 @@
         <p:spPr>
           <a:xfrm>
             <a:off x="0" y="0"/>
-            <a:ext cx="9142200" cy="486000"/>
+            <a:ext cx="9141120" cy="484920"/>
           </a:xfrm>
           <a:prstGeom prst="rect">
             <a:avLst/>
@@ -1926,10 +1925,10 @@
         </p:nvGrpSpPr>
         <p:grpSpPr>
           <a:xfrm>
-            <a:off x="530280" y="1207080"/>
-            <a:ext cx="1341360" cy="15840"/>
-            <a:chOff x="530280" y="1207080"/>
-            <a:chExt cx="1341360" cy="15840"/>
+            <a:off x="530280" y="1208160"/>
+            <a:ext cx="1340280" cy="14760"/>
+            <a:chOff x="530280" y="1208160"/>
+            <a:chExt cx="1340280" cy="14760"/>
           </a:xfrm>
         </p:grpSpPr>
         <p:sp>
@@ -1940,8 +1939,8 @@
           </p:nvSpPr>
           <p:spPr>
             <a:xfrm rot="16200000">
-              <a:off x="1380600" y="731880"/>
-              <a:ext cx="15840" cy="965880"/>
+              <a:off x="1380600" y="732960"/>
+              <a:ext cx="14760" cy="964800"/>
             </a:xfrm>
             <a:prstGeom prst="rect">
               <a:avLst/>
@@ -1989,8 +1988,8 @@
           </p:nvSpPr>
           <p:spPr>
             <a:xfrm rot="16200000">
-              <a:off x="1009440" y="727920"/>
-              <a:ext cx="15840" cy="974160"/>
+              <a:off x="1009440" y="729000"/>
+              <a:ext cx="14760" cy="973080"/>
             </a:xfrm>
             <a:prstGeom prst="rect">
               <a:avLst/>
@@ -2093,7 +2092,7 @@
         <p:spPr>
           <a:xfrm>
             <a:off x="8536320" y="4749840"/>
-            <a:ext cx="546840" cy="391680"/>
+            <a:ext cx="545760" cy="390600"/>
           </a:xfrm>
           <a:prstGeom prst="rect">
             <a:avLst/>
@@ -2135,7 +2134,7 @@
                 <a:tab algn="l" pos="0"/>
               </a:tabLst>
             </a:pPr>
-            <a:fld id="{92D78A94-B69E-4335-8EF4-D1ACBD1EB50F}" type="slidenum">
+            <a:fld id="{BF5CEF9E-0A57-45DF-8FD1-347225BAC142}" type="slidenum">
               <a:rPr b="0" lang="fr" sz="1000" spc="-1" strike="noStrike">
                 <a:solidFill>
                   <a:schemeClr val="accent1"/>
@@ -2143,7 +2142,7 @@
                 <a:latin typeface="Lato"/>
                 <a:ea typeface="Lato"/>
               </a:rPr>
-              <a:t>1</a:t>
+              <a:t>&lt;number&gt;</a:t>
             </a:fld>
             <a:endParaRPr b="0" lang="en-US" sz="1000" spc="-1" strike="noStrike">
               <a:solidFill>
@@ -2414,14 +2413,14 @@
       </p:grpSpPr>
       <p:sp>
         <p:nvSpPr>
-          <p:cNvPr id="60" name="Google Shape;62;p9"/>
+          <p:cNvPr id="58" name="Google Shape;62;p9"/>
           <p:cNvSpPr/>
           <p:nvPr/>
         </p:nvSpPr>
         <p:spPr>
           <a:xfrm>
             <a:off x="0" y="0"/>
-            <a:ext cx="4570200" cy="5141880"/>
+            <a:ext cx="4569120" cy="5140800"/>
           </a:xfrm>
           <a:prstGeom prst="rect">
             <a:avLst/>
@@ -2463,28 +2462,28 @@
       </p:sp>
       <p:grpSp>
         <p:nvGrpSpPr>
-          <p:cNvPr id="61" name="Google Shape;63;p9"/>
+          <p:cNvPr id="59" name="Google Shape;63;p9"/>
           <p:cNvGrpSpPr/>
           <p:nvPr/>
         </p:nvGrpSpPr>
         <p:grpSpPr>
           <a:xfrm>
-            <a:off x="530280" y="1207080"/>
-            <a:ext cx="1341360" cy="15840"/>
-            <a:chOff x="530280" y="1207080"/>
-            <a:chExt cx="1341360" cy="15840"/>
+            <a:off x="530280" y="1208160"/>
+            <a:ext cx="1340280" cy="14760"/>
+            <a:chOff x="530280" y="1208160"/>
+            <a:chExt cx="1340280" cy="14760"/>
           </a:xfrm>
         </p:grpSpPr>
         <p:sp>
           <p:nvSpPr>
-            <p:cNvPr id="62" name="Google Shape;64;p9"/>
+            <p:cNvPr id="60" name="Google Shape;64;p9"/>
             <p:cNvSpPr/>
             <p:nvPr/>
           </p:nvSpPr>
           <p:spPr>
             <a:xfrm rot="16200000">
-              <a:off x="1380600" y="731880"/>
-              <a:ext cx="15840" cy="965880"/>
+              <a:off x="1380600" y="732960"/>
+              <a:ext cx="14760" cy="964800"/>
             </a:xfrm>
             <a:prstGeom prst="rect">
               <a:avLst/>
@@ -2526,14 +2525,14 @@
         </p:sp>
         <p:sp>
           <p:nvSpPr>
-            <p:cNvPr id="63" name="Google Shape;65;p9"/>
+            <p:cNvPr id="61" name="Google Shape;65;p9"/>
             <p:cNvSpPr/>
             <p:nvPr/>
           </p:nvSpPr>
           <p:spPr>
             <a:xfrm rot="16200000">
-              <a:off x="1009440" y="727920"/>
-              <a:ext cx="15840" cy="974160"/>
+              <a:off x="1009440" y="729000"/>
+              <a:ext cx="14760" cy="973080"/>
             </a:xfrm>
             <a:prstGeom prst="rect">
               <a:avLst/>
@@ -2576,7 +2575,7 @@
       </p:grpSp>
       <p:sp>
         <p:nvSpPr>
-          <p:cNvPr id="64" name="PlaceHolder 1"/>
+          <p:cNvPr id="62" name="PlaceHolder 1"/>
           <p:cNvSpPr>
             <a:spLocks noGrp="1"/>
           </p:cNvSpPr>
@@ -2587,7 +2586,7 @@
         <p:spPr>
           <a:xfrm>
             <a:off x="8536320" y="4749840"/>
-            <a:ext cx="546840" cy="391680"/>
+            <a:ext cx="545760" cy="390600"/>
           </a:xfrm>
           <a:prstGeom prst="rect">
             <a:avLst/>
@@ -2629,7 +2628,7 @@
                 <a:tab algn="l" pos="0"/>
               </a:tabLst>
             </a:pPr>
-            <a:fld id="{4F5BD95F-3C89-4644-ADAB-01E061A62B2F}" type="slidenum">
+            <a:fld id="{A61694C0-6B43-4B40-8478-3D35AAFAC7FC}" type="slidenum">
               <a:rPr b="0" lang="fr" sz="1000" spc="-1" strike="noStrike">
                 <a:solidFill>
                   <a:schemeClr val="accent1"/>
@@ -2683,7 +2682,7 @@
       </p:grpSpPr>
       <p:sp>
         <p:nvSpPr>
-          <p:cNvPr id="65" name="PlaceHolder 1"/>
+          <p:cNvPr id="63" name="PlaceHolder 1"/>
           <p:cNvSpPr>
             <a:spLocks noGrp="1"/>
           </p:cNvSpPr>
@@ -2694,7 +2693,7 @@
         <p:spPr>
           <a:xfrm>
             <a:off x="8536320" y="4749840"/>
-            <a:ext cx="546840" cy="391680"/>
+            <a:ext cx="545760" cy="390600"/>
           </a:xfrm>
           <a:prstGeom prst="rect">
             <a:avLst/>
@@ -2736,7 +2735,7 @@
                 <a:tab algn="l" pos="0"/>
               </a:tabLst>
             </a:pPr>
-            <a:fld id="{6E9DBDBF-870C-4AD8-B8C0-2F784CD860D9}" type="slidenum">
+            <a:fld id="{028B8D80-1C27-442A-A2B8-8554C9FC3534}" type="slidenum">
               <a:rPr b="0" lang="fr" sz="1000" spc="-1" strike="noStrike">
                 <a:solidFill>
                   <a:schemeClr val="accent1"/>
@@ -2790,14 +2789,14 @@
       </p:grpSpPr>
       <p:sp>
         <p:nvSpPr>
-          <p:cNvPr id="66" name="Google Shape;24;p4"/>
+          <p:cNvPr id="64" name="Google Shape;24;p4"/>
           <p:cNvSpPr/>
           <p:nvPr/>
         </p:nvSpPr>
         <p:spPr>
           <a:xfrm>
             <a:off x="0" y="0"/>
-            <a:ext cx="9142200" cy="486000"/>
+            <a:ext cx="9141120" cy="484920"/>
           </a:xfrm>
           <a:prstGeom prst="rect">
             <a:avLst/>
@@ -2837,28 +2836,28 @@
       </p:sp>
       <p:grpSp>
         <p:nvGrpSpPr>
-          <p:cNvPr id="67" name="Google Shape;25;p4"/>
+          <p:cNvPr id="65" name="Google Shape;25;p4"/>
           <p:cNvGrpSpPr/>
           <p:nvPr/>
         </p:nvGrpSpPr>
         <p:grpSpPr>
           <a:xfrm>
-            <a:off x="530280" y="1207080"/>
-            <a:ext cx="1341360" cy="15840"/>
-            <a:chOff x="530280" y="1207080"/>
-            <a:chExt cx="1341360" cy="15840"/>
+            <a:off x="530280" y="1208160"/>
+            <a:ext cx="1340280" cy="14760"/>
+            <a:chOff x="530280" y="1208160"/>
+            <a:chExt cx="1340280" cy="14760"/>
           </a:xfrm>
         </p:grpSpPr>
         <p:sp>
           <p:nvSpPr>
-            <p:cNvPr id="68" name="Google Shape;26;p4"/>
+            <p:cNvPr id="66" name="Google Shape;26;p4"/>
             <p:cNvSpPr/>
             <p:nvPr/>
           </p:nvSpPr>
           <p:spPr>
             <a:xfrm rot="16200000">
-              <a:off x="1380600" y="731880"/>
-              <a:ext cx="15840" cy="965880"/>
+              <a:off x="1380600" y="732960"/>
+              <a:ext cx="14760" cy="964800"/>
             </a:xfrm>
             <a:prstGeom prst="rect">
               <a:avLst/>
@@ -2898,14 +2897,14 @@
         </p:sp>
         <p:sp>
           <p:nvSpPr>
-            <p:cNvPr id="69" name="Google Shape;27;p4"/>
+            <p:cNvPr id="67" name="Google Shape;27;p4"/>
             <p:cNvSpPr/>
             <p:nvPr/>
           </p:nvSpPr>
           <p:spPr>
             <a:xfrm rot="16200000">
-              <a:off x="1009440" y="727920"/>
-              <a:ext cx="15840" cy="974160"/>
+              <a:off x="1009440" y="729000"/>
+              <a:ext cx="14760" cy="973080"/>
             </a:xfrm>
             <a:prstGeom prst="rect">
               <a:avLst/>
@@ -2946,7 +2945,7 @@
       </p:grpSp>
       <p:sp>
         <p:nvSpPr>
-          <p:cNvPr id="70" name="PlaceHolder 1"/>
+          <p:cNvPr id="68" name="PlaceHolder 1"/>
           <p:cNvSpPr>
             <a:spLocks noGrp="1"/>
           </p:cNvSpPr>
@@ -2995,7 +2994,7 @@
       </p:sp>
       <p:sp>
         <p:nvSpPr>
-          <p:cNvPr id="71" name="PlaceHolder 2"/>
+          <p:cNvPr id="69" name="PlaceHolder 2"/>
           <p:cNvSpPr>
             <a:spLocks noGrp="1"/>
           </p:cNvSpPr>
@@ -3220,7 +3219,7 @@
       </p:sp>
       <p:sp>
         <p:nvSpPr>
-          <p:cNvPr id="72" name="PlaceHolder 3"/>
+          <p:cNvPr id="70" name="PlaceHolder 3"/>
           <p:cNvSpPr>
             <a:spLocks noGrp="1"/>
           </p:cNvSpPr>
@@ -3231,7 +3230,7 @@
         <p:spPr>
           <a:xfrm>
             <a:off x="8536320" y="4749840"/>
-            <a:ext cx="546840" cy="391680"/>
+            <a:ext cx="545760" cy="390600"/>
           </a:xfrm>
           <a:prstGeom prst="rect">
             <a:avLst/>
@@ -3273,7 +3272,7 @@
                 <a:tab algn="l" pos="0"/>
               </a:tabLst>
             </a:pPr>
-            <a:fld id="{64561D0B-242F-4AB6-AE0D-3DA3A8EAF164}" type="slidenum">
+            <a:fld id="{B190C5B2-12F3-4BF5-9967-323A709FFD32}" type="slidenum">
               <a:rPr b="0" lang="fr" sz="1000" spc="-1" strike="noStrike">
                 <a:solidFill>
                   <a:schemeClr val="accent1"/>
@@ -3327,28 +3326,28 @@
       </p:grpSpPr>
       <p:grpSp>
         <p:nvGrpSpPr>
-          <p:cNvPr id="75" name="Google Shape;18;p3"/>
+          <p:cNvPr id="73" name="Google Shape;18;p3"/>
           <p:cNvGrpSpPr/>
           <p:nvPr/>
         </p:nvGrpSpPr>
         <p:grpSpPr>
           <a:xfrm>
-            <a:off x="530280" y="1207080"/>
-            <a:ext cx="1341360" cy="15840"/>
-            <a:chOff x="530280" y="1207080"/>
-            <a:chExt cx="1341360" cy="15840"/>
+            <a:off x="530280" y="1208160"/>
+            <a:ext cx="1340280" cy="14760"/>
+            <a:chOff x="530280" y="1208160"/>
+            <a:chExt cx="1340280" cy="14760"/>
           </a:xfrm>
         </p:grpSpPr>
         <p:sp>
           <p:nvSpPr>
-            <p:cNvPr id="76" name="Google Shape;19;p3"/>
+            <p:cNvPr id="74" name="Google Shape;19;p3"/>
             <p:cNvSpPr/>
             <p:nvPr/>
           </p:nvSpPr>
           <p:spPr>
             <a:xfrm rot="16200000">
-              <a:off x="1380600" y="731880"/>
-              <a:ext cx="15840" cy="965880"/>
+              <a:off x="1380600" y="732960"/>
+              <a:ext cx="14760" cy="964800"/>
             </a:xfrm>
             <a:prstGeom prst="rect">
               <a:avLst/>
@@ -3388,14 +3387,14 @@
         </p:sp>
         <p:sp>
           <p:nvSpPr>
-            <p:cNvPr id="77" name="Google Shape;20;p3"/>
+            <p:cNvPr id="75" name="Google Shape;20;p3"/>
             <p:cNvSpPr/>
             <p:nvPr/>
           </p:nvSpPr>
           <p:spPr>
             <a:xfrm rot="16200000">
-              <a:off x="1009440" y="727920"/>
-              <a:ext cx="15840" cy="974160"/>
+              <a:off x="1009440" y="729000"/>
+              <a:ext cx="14760" cy="973080"/>
             </a:xfrm>
             <a:prstGeom prst="rect">
               <a:avLst/>
@@ -3436,7 +3435,7 @@
       </p:grpSp>
       <p:sp>
         <p:nvSpPr>
-          <p:cNvPr id="78" name="PlaceHolder 1"/>
+          <p:cNvPr id="76" name="PlaceHolder 1"/>
           <p:cNvSpPr>
             <a:spLocks noGrp="1"/>
           </p:cNvSpPr>
@@ -3447,7 +3446,7 @@
         <p:spPr>
           <a:xfrm>
             <a:off x="8536320" y="4749840"/>
-            <a:ext cx="546840" cy="391680"/>
+            <a:ext cx="545760" cy="390600"/>
           </a:xfrm>
           <a:prstGeom prst="rect">
             <a:avLst/>
@@ -3489,7 +3488,7 @@
                 <a:tab algn="l" pos="0"/>
               </a:tabLst>
             </a:pPr>
-            <a:fld id="{90158F8D-3680-4265-A80E-34164D662B30}" type="slidenum">
+            <a:fld id="{C28FFD42-55BE-4CD9-B568-EB789037A274}" type="slidenum">
               <a:rPr b="0" lang="fr" sz="1000" spc="-1" strike="noStrike">
                 <a:solidFill>
                   <a:schemeClr val="lt1"/>
@@ -3510,7 +3509,7 @@
       </p:sp>
       <p:sp>
         <p:nvSpPr>
-          <p:cNvPr id="79" name="PlaceHolder 2"/>
+          <p:cNvPr id="77" name="PlaceHolder 2"/>
           <p:cNvSpPr>
             <a:spLocks noGrp="1"/>
           </p:cNvSpPr>
@@ -3559,7 +3558,7 @@
       </p:sp>
       <p:sp>
         <p:nvSpPr>
-          <p:cNvPr id="80" name="PlaceHolder 3"/>
+          <p:cNvPr id="78" name="PlaceHolder 3"/>
           <p:cNvSpPr>
             <a:spLocks noGrp="1"/>
           </p:cNvSpPr>
@@ -3817,28 +3816,28 @@
       </p:grpSpPr>
       <p:grpSp>
         <p:nvGrpSpPr>
-          <p:cNvPr id="81" name="Google Shape;56;p8"/>
+          <p:cNvPr id="79" name="Google Shape;56;p8"/>
           <p:cNvGrpSpPr/>
           <p:nvPr/>
         </p:nvGrpSpPr>
         <p:grpSpPr>
           <a:xfrm>
-            <a:off x="530280" y="4185000"/>
-            <a:ext cx="1341360" cy="15840"/>
-            <a:chOff x="530280" y="4185000"/>
-            <a:chExt cx="1341360" cy="15840"/>
+            <a:off x="530280" y="4186080"/>
+            <a:ext cx="1340280" cy="14760"/>
+            <a:chOff x="530280" y="4186080"/>
+            <a:chExt cx="1340280" cy="14760"/>
           </a:xfrm>
         </p:grpSpPr>
         <p:sp>
           <p:nvSpPr>
-            <p:cNvPr id="82" name="Google Shape;57;p8"/>
+            <p:cNvPr id="80" name="Google Shape;57;p8"/>
             <p:cNvSpPr/>
             <p:nvPr/>
           </p:nvSpPr>
           <p:spPr>
             <a:xfrm rot="16200000">
-              <a:off x="1380600" y="3709800"/>
-              <a:ext cx="15840" cy="965880"/>
+              <a:off x="1380600" y="3710880"/>
+              <a:ext cx="14760" cy="964800"/>
             </a:xfrm>
             <a:prstGeom prst="rect">
               <a:avLst/>
@@ -3878,14 +3877,14 @@
         </p:sp>
         <p:sp>
           <p:nvSpPr>
-            <p:cNvPr id="83" name="Google Shape;58;p8"/>
+            <p:cNvPr id="81" name="Google Shape;58;p8"/>
             <p:cNvSpPr/>
             <p:nvPr/>
           </p:nvSpPr>
           <p:spPr>
             <a:xfrm rot="16200000">
-              <a:off x="1009440" y="3705840"/>
-              <a:ext cx="15840" cy="974160"/>
+              <a:off x="1009440" y="3706920"/>
+              <a:ext cx="14760" cy="973080"/>
             </a:xfrm>
             <a:prstGeom prst="rect">
               <a:avLst/>
@@ -3926,7 +3925,7 @@
       </p:grpSp>
       <p:sp>
         <p:nvSpPr>
-          <p:cNvPr id="84" name="PlaceHolder 1"/>
+          <p:cNvPr id="82" name="PlaceHolder 1"/>
           <p:cNvSpPr>
             <a:spLocks noGrp="1"/>
           </p:cNvSpPr>
@@ -3937,7 +3936,7 @@
         <p:spPr>
           <a:xfrm>
             <a:off x="8536320" y="4749840"/>
-            <a:ext cx="546840" cy="391680"/>
+            <a:ext cx="545760" cy="390600"/>
           </a:xfrm>
           <a:prstGeom prst="rect">
             <a:avLst/>
@@ -3979,7 +3978,7 @@
                 <a:tab algn="l" pos="0"/>
               </a:tabLst>
             </a:pPr>
-            <a:fld id="{6C430408-31FF-46D8-AA11-0BCD269CA783}" type="slidenum">
+            <a:fld id="{F8A03E79-B930-4CC3-A892-9E2D4E585CEE}" type="slidenum">
               <a:rPr b="0" lang="fr" sz="1000" spc="-1" strike="noStrike">
                 <a:solidFill>
                   <a:schemeClr val="lt1"/>
@@ -4033,14 +4032,14 @@
       </p:grpSpPr>
       <p:sp>
         <p:nvSpPr>
-          <p:cNvPr id="85" name="Google Shape;24;p4"/>
+          <p:cNvPr id="83" name="Google Shape;24;p4"/>
           <p:cNvSpPr/>
           <p:nvPr/>
         </p:nvSpPr>
         <p:spPr>
           <a:xfrm>
             <a:off x="0" y="0"/>
-            <a:ext cx="9142200" cy="486000"/>
+            <a:ext cx="9141120" cy="484920"/>
           </a:xfrm>
           <a:prstGeom prst="rect">
             <a:avLst/>
@@ -4080,28 +4079,28 @@
       </p:sp>
       <p:grpSp>
         <p:nvGrpSpPr>
-          <p:cNvPr id="86" name="Google Shape;25;p4"/>
+          <p:cNvPr id="84" name="Google Shape;25;p4"/>
           <p:cNvGrpSpPr/>
           <p:nvPr/>
         </p:nvGrpSpPr>
         <p:grpSpPr>
           <a:xfrm>
-            <a:off x="530280" y="1207080"/>
-            <a:ext cx="1341360" cy="15840"/>
-            <a:chOff x="530280" y="1207080"/>
-            <a:chExt cx="1341360" cy="15840"/>
+            <a:off x="530280" y="1208160"/>
+            <a:ext cx="1340280" cy="14760"/>
+            <a:chOff x="530280" y="1208160"/>
+            <a:chExt cx="1340280" cy="14760"/>
           </a:xfrm>
         </p:grpSpPr>
         <p:sp>
           <p:nvSpPr>
-            <p:cNvPr id="87" name="Google Shape;26;p4"/>
+            <p:cNvPr id="85" name="Google Shape;26;p4"/>
             <p:cNvSpPr/>
             <p:nvPr/>
           </p:nvSpPr>
           <p:spPr>
             <a:xfrm rot="16200000">
-              <a:off x="1380600" y="731880"/>
-              <a:ext cx="15840" cy="965880"/>
+              <a:off x="1380600" y="732960"/>
+              <a:ext cx="14760" cy="964800"/>
             </a:xfrm>
             <a:prstGeom prst="rect">
               <a:avLst/>
@@ -4141,14 +4140,14 @@
         </p:sp>
         <p:sp>
           <p:nvSpPr>
-            <p:cNvPr id="88" name="Google Shape;27;p4"/>
+            <p:cNvPr id="86" name="Google Shape;27;p4"/>
             <p:cNvSpPr/>
             <p:nvPr/>
           </p:nvSpPr>
           <p:spPr>
             <a:xfrm rot="16200000">
-              <a:off x="1009440" y="727920"/>
-              <a:ext cx="15840" cy="974160"/>
+              <a:off x="1009440" y="729000"/>
+              <a:ext cx="14760" cy="973080"/>
             </a:xfrm>
             <a:prstGeom prst="rect">
               <a:avLst/>
@@ -4189,7 +4188,7 @@
       </p:grpSp>
       <p:sp>
         <p:nvSpPr>
-          <p:cNvPr id="89" name="PlaceHolder 1"/>
+          <p:cNvPr id="87" name="PlaceHolder 1"/>
           <p:cNvSpPr>
             <a:spLocks noGrp="1"/>
           </p:cNvSpPr>
@@ -4238,7 +4237,7 @@
       </p:sp>
       <p:sp>
         <p:nvSpPr>
-          <p:cNvPr id="90" name="PlaceHolder 2"/>
+          <p:cNvPr id="88" name="PlaceHolder 2"/>
           <p:cNvSpPr>
             <a:spLocks noGrp="1"/>
           </p:cNvSpPr>
@@ -4463,7 +4462,7 @@
       </p:sp>
       <p:sp>
         <p:nvSpPr>
-          <p:cNvPr id="91" name="PlaceHolder 3"/>
+          <p:cNvPr id="89" name="PlaceHolder 3"/>
           <p:cNvSpPr>
             <a:spLocks noGrp="1"/>
           </p:cNvSpPr>
@@ -4474,7 +4473,7 @@
         <p:spPr>
           <a:xfrm>
             <a:off x="8536320" y="4749840"/>
-            <a:ext cx="546840" cy="391680"/>
+            <a:ext cx="545760" cy="390600"/>
           </a:xfrm>
           <a:prstGeom prst="rect">
             <a:avLst/>
@@ -4516,7 +4515,7 @@
                 <a:tab algn="l" pos="0"/>
               </a:tabLst>
             </a:pPr>
-            <a:fld id="{5DBD6F3D-5605-48C2-B2A2-4C44B035385D}" type="slidenum">
+            <a:fld id="{D12507AF-6800-4D2F-A4AB-A8C3BF78CF77}" type="slidenum">
               <a:rPr b="0" lang="fr" sz="1000" spc="-1" strike="noStrike">
                 <a:solidFill>
                   <a:schemeClr val="accent1"/>
@@ -4570,14 +4569,14 @@
       </p:grpSpPr>
       <p:sp>
         <p:nvSpPr>
-          <p:cNvPr id="94" name="Google Shape;24;p4"/>
+          <p:cNvPr id="92" name="Google Shape;24;p4"/>
           <p:cNvSpPr/>
           <p:nvPr/>
         </p:nvSpPr>
         <p:spPr>
           <a:xfrm>
             <a:off x="0" y="0"/>
-            <a:ext cx="9142200" cy="486000"/>
+            <a:ext cx="9141120" cy="484920"/>
           </a:xfrm>
           <a:prstGeom prst="rect">
             <a:avLst/>
@@ -4617,28 +4616,28 @@
       </p:sp>
       <p:grpSp>
         <p:nvGrpSpPr>
-          <p:cNvPr id="95" name="Google Shape;25;p4"/>
+          <p:cNvPr id="93" name="Google Shape;25;p4"/>
           <p:cNvGrpSpPr/>
           <p:nvPr/>
         </p:nvGrpSpPr>
         <p:grpSpPr>
           <a:xfrm>
-            <a:off x="530280" y="1207080"/>
-            <a:ext cx="1341360" cy="15840"/>
-            <a:chOff x="530280" y="1207080"/>
-            <a:chExt cx="1341360" cy="15840"/>
+            <a:off x="530280" y="1208160"/>
+            <a:ext cx="1340280" cy="14760"/>
+            <a:chOff x="530280" y="1208160"/>
+            <a:chExt cx="1340280" cy="14760"/>
           </a:xfrm>
         </p:grpSpPr>
         <p:sp>
           <p:nvSpPr>
-            <p:cNvPr id="96" name="Google Shape;26;p4"/>
+            <p:cNvPr id="94" name="Google Shape;26;p4"/>
             <p:cNvSpPr/>
             <p:nvPr/>
           </p:nvSpPr>
           <p:spPr>
             <a:xfrm rot="16200000">
-              <a:off x="1380600" y="731880"/>
-              <a:ext cx="15840" cy="965880"/>
+              <a:off x="1380600" y="732960"/>
+              <a:ext cx="14760" cy="964800"/>
             </a:xfrm>
             <a:prstGeom prst="rect">
               <a:avLst/>
@@ -4678,14 +4677,14 @@
         </p:sp>
         <p:sp>
           <p:nvSpPr>
-            <p:cNvPr id="97" name="Google Shape;27;p4"/>
+            <p:cNvPr id="95" name="Google Shape;27;p4"/>
             <p:cNvSpPr/>
             <p:nvPr/>
           </p:nvSpPr>
           <p:spPr>
             <a:xfrm rot="16200000">
-              <a:off x="1009440" y="727920"/>
-              <a:ext cx="15840" cy="974160"/>
+              <a:off x="1009440" y="729000"/>
+              <a:ext cx="14760" cy="973080"/>
             </a:xfrm>
             <a:prstGeom prst="rect">
               <a:avLst/>
@@ -4726,7 +4725,7 @@
       </p:grpSp>
       <p:sp>
         <p:nvSpPr>
-          <p:cNvPr id="98" name="PlaceHolder 1"/>
+          <p:cNvPr id="96" name="PlaceHolder 1"/>
           <p:cNvSpPr>
             <a:spLocks noGrp="1"/>
           </p:cNvSpPr>
@@ -4775,7 +4774,7 @@
       </p:sp>
       <p:sp>
         <p:nvSpPr>
-          <p:cNvPr id="99" name="PlaceHolder 2"/>
+          <p:cNvPr id="97" name="PlaceHolder 2"/>
           <p:cNvSpPr>
             <a:spLocks noGrp="1"/>
           </p:cNvSpPr>
@@ -5000,7 +4999,7 @@
       </p:sp>
       <p:sp>
         <p:nvSpPr>
-          <p:cNvPr id="100" name="PlaceHolder 3"/>
+          <p:cNvPr id="98" name="PlaceHolder 3"/>
           <p:cNvSpPr>
             <a:spLocks noGrp="1"/>
           </p:cNvSpPr>
@@ -5011,7 +5010,7 @@
         <p:spPr>
           <a:xfrm>
             <a:off x="8536320" y="4749840"/>
-            <a:ext cx="546840" cy="391680"/>
+            <a:ext cx="545760" cy="390600"/>
           </a:xfrm>
           <a:prstGeom prst="rect">
             <a:avLst/>
@@ -5053,7 +5052,7 @@
                 <a:tab algn="l" pos="0"/>
               </a:tabLst>
             </a:pPr>
-            <a:fld id="{D0B86082-42CC-40D9-96BA-7A5BB3F5B4F7}" type="slidenum">
+            <a:fld id="{509C4077-8923-4491-B9E2-AA86F100E845}" type="slidenum">
               <a:rPr b="0" lang="fr" sz="1000" spc="-1" strike="noStrike">
                 <a:solidFill>
                   <a:schemeClr val="accent1"/>
@@ -5107,28 +5106,28 @@
       </p:grpSpPr>
       <p:grpSp>
         <p:nvGrpSpPr>
-          <p:cNvPr id="103" name="Google Shape;18;p3"/>
+          <p:cNvPr id="101" name="Google Shape;18;p3"/>
           <p:cNvGrpSpPr/>
           <p:nvPr/>
         </p:nvGrpSpPr>
         <p:grpSpPr>
           <a:xfrm>
-            <a:off x="530280" y="1207080"/>
-            <a:ext cx="1341360" cy="15840"/>
-            <a:chOff x="530280" y="1207080"/>
-            <a:chExt cx="1341360" cy="15840"/>
+            <a:off x="530280" y="1208160"/>
+            <a:ext cx="1340280" cy="14760"/>
+            <a:chOff x="530280" y="1208160"/>
+            <a:chExt cx="1340280" cy="14760"/>
           </a:xfrm>
         </p:grpSpPr>
         <p:sp>
           <p:nvSpPr>
-            <p:cNvPr id="104" name="Google Shape;19;p3"/>
+            <p:cNvPr id="102" name="Google Shape;19;p3"/>
             <p:cNvSpPr/>
             <p:nvPr/>
           </p:nvSpPr>
           <p:spPr>
             <a:xfrm rot="16200000">
-              <a:off x="1380600" y="731880"/>
-              <a:ext cx="15840" cy="965880"/>
+              <a:off x="1380600" y="732960"/>
+              <a:ext cx="14760" cy="964800"/>
             </a:xfrm>
             <a:prstGeom prst="rect">
               <a:avLst/>
@@ -5168,14 +5167,14 @@
         </p:sp>
         <p:sp>
           <p:nvSpPr>
-            <p:cNvPr id="105" name="Google Shape;20;p3"/>
+            <p:cNvPr id="103" name="Google Shape;20;p3"/>
             <p:cNvSpPr/>
             <p:nvPr/>
           </p:nvSpPr>
           <p:spPr>
             <a:xfrm rot="16200000">
-              <a:off x="1009440" y="727920"/>
-              <a:ext cx="15840" cy="974160"/>
+              <a:off x="1009440" y="729000"/>
+              <a:ext cx="14760" cy="973080"/>
             </a:xfrm>
             <a:prstGeom prst="rect">
               <a:avLst/>
@@ -5216,7 +5215,7 @@
       </p:grpSp>
       <p:sp>
         <p:nvSpPr>
-          <p:cNvPr id="106" name="PlaceHolder 1"/>
+          <p:cNvPr id="104" name="PlaceHolder 1"/>
           <p:cNvSpPr>
             <a:spLocks noGrp="1"/>
           </p:cNvSpPr>
@@ -5227,7 +5226,7 @@
         <p:spPr>
           <a:xfrm>
             <a:off x="8536320" y="4749840"/>
-            <a:ext cx="546840" cy="391680"/>
+            <a:ext cx="545760" cy="390600"/>
           </a:xfrm>
           <a:prstGeom prst="rect">
             <a:avLst/>
@@ -5269,7 +5268,7 @@
                 <a:tab algn="l" pos="0"/>
               </a:tabLst>
             </a:pPr>
-            <a:fld id="{8F4FEC2C-7A34-42D0-AF28-A3F4B6BC03D5}" type="slidenum">
+            <a:fld id="{94383152-086E-4A2A-9AFF-E36F24BD8713}" type="slidenum">
               <a:rPr b="0" lang="fr" sz="1000" spc="-1" strike="noStrike">
                 <a:solidFill>
                   <a:schemeClr val="lt1"/>
@@ -5323,14 +5322,14 @@
       </p:grpSpPr>
       <p:sp>
         <p:nvSpPr>
-          <p:cNvPr id="107" name="Google Shape;24;p4"/>
+          <p:cNvPr id="105" name="Google Shape;24;p4"/>
           <p:cNvSpPr/>
           <p:nvPr/>
         </p:nvSpPr>
         <p:spPr>
           <a:xfrm>
             <a:off x="0" y="0"/>
-            <a:ext cx="9142200" cy="486000"/>
+            <a:ext cx="9141120" cy="484920"/>
           </a:xfrm>
           <a:prstGeom prst="rect">
             <a:avLst/>
@@ -5370,28 +5369,28 @@
       </p:sp>
       <p:grpSp>
         <p:nvGrpSpPr>
-          <p:cNvPr id="108" name="Google Shape;25;p4"/>
+          <p:cNvPr id="106" name="Google Shape;25;p4"/>
           <p:cNvGrpSpPr/>
           <p:nvPr/>
         </p:nvGrpSpPr>
         <p:grpSpPr>
           <a:xfrm>
-            <a:off x="530280" y="1207080"/>
-            <a:ext cx="1341360" cy="15840"/>
-            <a:chOff x="530280" y="1207080"/>
-            <a:chExt cx="1341360" cy="15840"/>
+            <a:off x="530280" y="1208160"/>
+            <a:ext cx="1340280" cy="14760"/>
+            <a:chOff x="530280" y="1208160"/>
+            <a:chExt cx="1340280" cy="14760"/>
           </a:xfrm>
         </p:grpSpPr>
         <p:sp>
           <p:nvSpPr>
-            <p:cNvPr id="109" name="Google Shape;26;p4"/>
+            <p:cNvPr id="107" name="Google Shape;26;p4"/>
             <p:cNvSpPr/>
             <p:nvPr/>
           </p:nvSpPr>
           <p:spPr>
             <a:xfrm rot="16200000">
-              <a:off x="1380600" y="731880"/>
-              <a:ext cx="15840" cy="965880"/>
+              <a:off x="1380600" y="732960"/>
+              <a:ext cx="14760" cy="964800"/>
             </a:xfrm>
             <a:prstGeom prst="rect">
               <a:avLst/>
@@ -5431,14 +5430,14 @@
         </p:sp>
         <p:sp>
           <p:nvSpPr>
-            <p:cNvPr id="110" name="Google Shape;27;p4"/>
+            <p:cNvPr id="108" name="Google Shape;27;p4"/>
             <p:cNvSpPr/>
             <p:nvPr/>
           </p:nvSpPr>
           <p:spPr>
             <a:xfrm rot="16200000">
-              <a:off x="1009440" y="727920"/>
-              <a:ext cx="15840" cy="974160"/>
+              <a:off x="1009440" y="729000"/>
+              <a:ext cx="14760" cy="973080"/>
             </a:xfrm>
             <a:prstGeom prst="rect">
               <a:avLst/>
@@ -5479,7 +5478,7 @@
       </p:grpSp>
       <p:sp>
         <p:nvSpPr>
-          <p:cNvPr id="111" name="PlaceHolder 1"/>
+          <p:cNvPr id="109" name="PlaceHolder 1"/>
           <p:cNvSpPr>
             <a:spLocks noGrp="1"/>
           </p:cNvSpPr>
@@ -5528,7 +5527,7 @@
       </p:sp>
       <p:sp>
         <p:nvSpPr>
-          <p:cNvPr id="112" name="PlaceHolder 2"/>
+          <p:cNvPr id="110" name="PlaceHolder 2"/>
           <p:cNvSpPr>
             <a:spLocks noGrp="1"/>
           </p:cNvSpPr>
@@ -5753,7 +5752,7 @@
       </p:sp>
       <p:sp>
         <p:nvSpPr>
-          <p:cNvPr id="113" name="PlaceHolder 3"/>
+          <p:cNvPr id="111" name="PlaceHolder 3"/>
           <p:cNvSpPr>
             <a:spLocks noGrp="1"/>
           </p:cNvSpPr>
@@ -5764,7 +5763,7 @@
         <p:spPr>
           <a:xfrm>
             <a:off x="8536320" y="4749840"/>
-            <a:ext cx="546840" cy="391680"/>
+            <a:ext cx="545760" cy="390600"/>
           </a:xfrm>
           <a:prstGeom prst="rect">
             <a:avLst/>
@@ -5806,7 +5805,7 @@
                 <a:tab algn="l" pos="0"/>
               </a:tabLst>
             </a:pPr>
-            <a:fld id="{5331D794-7A89-44B5-8144-1A9A9DB6623A}" type="slidenum">
+            <a:fld id="{391F8A2C-4346-414D-BBD7-04DAA19A5B8B}" type="slidenum">
               <a:rPr b="0" lang="fr" sz="1000" spc="-1" strike="noStrike">
                 <a:solidFill>
                   <a:schemeClr val="accent1"/>
@@ -5860,14 +5859,14 @@
       </p:grpSpPr>
       <p:sp>
         <p:nvSpPr>
-          <p:cNvPr id="116" name="Google Shape;24;p4"/>
+          <p:cNvPr id="114" name="Google Shape;24;p4"/>
           <p:cNvSpPr/>
           <p:nvPr/>
         </p:nvSpPr>
         <p:spPr>
           <a:xfrm>
             <a:off x="0" y="0"/>
-            <a:ext cx="9142200" cy="486000"/>
+            <a:ext cx="9141120" cy="484920"/>
           </a:xfrm>
           <a:prstGeom prst="rect">
             <a:avLst/>
@@ -5907,28 +5906,28 @@
       </p:sp>
       <p:grpSp>
         <p:nvGrpSpPr>
-          <p:cNvPr id="117" name="Google Shape;25;p4"/>
+          <p:cNvPr id="115" name="Google Shape;25;p4"/>
           <p:cNvGrpSpPr/>
           <p:nvPr/>
         </p:nvGrpSpPr>
         <p:grpSpPr>
           <a:xfrm>
-            <a:off x="530280" y="1207080"/>
-            <a:ext cx="1341360" cy="15840"/>
-            <a:chOff x="530280" y="1207080"/>
-            <a:chExt cx="1341360" cy="15840"/>
+            <a:off x="530280" y="1208160"/>
+            <a:ext cx="1340280" cy="14760"/>
+            <a:chOff x="530280" y="1208160"/>
+            <a:chExt cx="1340280" cy="14760"/>
           </a:xfrm>
         </p:grpSpPr>
         <p:sp>
           <p:nvSpPr>
-            <p:cNvPr id="118" name="Google Shape;26;p4"/>
+            <p:cNvPr id="116" name="Google Shape;26;p4"/>
             <p:cNvSpPr/>
             <p:nvPr/>
           </p:nvSpPr>
           <p:spPr>
             <a:xfrm rot="16200000">
-              <a:off x="1380600" y="731880"/>
-              <a:ext cx="15840" cy="965880"/>
+              <a:off x="1380600" y="732960"/>
+              <a:ext cx="14760" cy="964800"/>
             </a:xfrm>
             <a:prstGeom prst="rect">
               <a:avLst/>
@@ -5968,14 +5967,14 @@
         </p:sp>
         <p:sp>
           <p:nvSpPr>
-            <p:cNvPr id="119" name="Google Shape;27;p4"/>
+            <p:cNvPr id="117" name="Google Shape;27;p4"/>
             <p:cNvSpPr/>
             <p:nvPr/>
           </p:nvSpPr>
           <p:spPr>
             <a:xfrm rot="16200000">
-              <a:off x="1009440" y="727920"/>
-              <a:ext cx="15840" cy="974160"/>
+              <a:off x="1009440" y="729000"/>
+              <a:ext cx="14760" cy="973080"/>
             </a:xfrm>
             <a:prstGeom prst="rect">
               <a:avLst/>
@@ -6016,7 +6015,7 @@
       </p:grpSp>
       <p:sp>
         <p:nvSpPr>
-          <p:cNvPr id="120" name="PlaceHolder 1"/>
+          <p:cNvPr id="118" name="PlaceHolder 1"/>
           <p:cNvSpPr>
             <a:spLocks noGrp="1"/>
           </p:cNvSpPr>
@@ -6065,7 +6064,7 @@
       </p:sp>
       <p:sp>
         <p:nvSpPr>
-          <p:cNvPr id="121" name="PlaceHolder 2"/>
+          <p:cNvPr id="119" name="PlaceHolder 2"/>
           <p:cNvSpPr>
             <a:spLocks noGrp="1"/>
           </p:cNvSpPr>
@@ -6290,7 +6289,7 @@
       </p:sp>
       <p:sp>
         <p:nvSpPr>
-          <p:cNvPr id="122" name="PlaceHolder 3"/>
+          <p:cNvPr id="120" name="PlaceHolder 3"/>
           <p:cNvSpPr>
             <a:spLocks noGrp="1"/>
           </p:cNvSpPr>
@@ -6301,7 +6300,7 @@
         <p:spPr>
           <a:xfrm>
             <a:off x="8536320" y="4749840"/>
-            <a:ext cx="546840" cy="391680"/>
+            <a:ext cx="545760" cy="390600"/>
           </a:xfrm>
           <a:prstGeom prst="rect">
             <a:avLst/>
@@ -6343,7 +6342,7 @@
                 <a:tab algn="l" pos="0"/>
               </a:tabLst>
             </a:pPr>
-            <a:fld id="{43E2734E-A017-4BAB-8A50-10EF2E94CEB6}" type="slidenum">
+            <a:fld id="{22385C67-26D0-4048-9A0A-257ECE71F183}" type="slidenum">
               <a:rPr b="0" lang="fr" sz="1000" spc="-1" strike="noStrike">
                 <a:solidFill>
                   <a:schemeClr val="accent1"/>
@@ -6403,10 +6402,10 @@
         </p:nvGrpSpPr>
         <p:grpSpPr>
           <a:xfrm>
-            <a:off x="530280" y="4185000"/>
-            <a:ext cx="1341360" cy="15840"/>
-            <a:chOff x="530280" y="4185000"/>
-            <a:chExt cx="1341360" cy="15840"/>
+            <a:off x="530280" y="4186080"/>
+            <a:ext cx="1340280" cy="14760"/>
+            <a:chOff x="530280" y="4186080"/>
+            <a:chExt cx="1340280" cy="14760"/>
           </a:xfrm>
         </p:grpSpPr>
         <p:sp>
@@ -6417,8 +6416,8 @@
           </p:nvSpPr>
           <p:spPr>
             <a:xfrm rot="16200000">
-              <a:off x="1380600" y="3709800"/>
-              <a:ext cx="15840" cy="965880"/>
+              <a:off x="1380600" y="3710880"/>
+              <a:ext cx="14760" cy="964800"/>
             </a:xfrm>
             <a:prstGeom prst="rect">
               <a:avLst/>
@@ -6466,8 +6465,8 @@
           </p:nvSpPr>
           <p:spPr>
             <a:xfrm rot="16200000">
-              <a:off x="1009440" y="3705840"/>
-              <a:ext cx="15840" cy="974160"/>
+              <a:off x="1009440" y="3706920"/>
+              <a:ext cx="14760" cy="973080"/>
             </a:xfrm>
             <a:prstGeom prst="rect">
               <a:avLst/>
@@ -6521,7 +6520,7 @@
         <p:spPr>
           <a:xfrm>
             <a:off x="8536320" y="4749840"/>
-            <a:ext cx="546840" cy="391680"/>
+            <a:ext cx="545760" cy="390600"/>
           </a:xfrm>
           <a:prstGeom prst="rect">
             <a:avLst/>
@@ -6563,7 +6562,7 @@
                 <a:tab algn="l" pos="0"/>
               </a:tabLst>
             </a:pPr>
-            <a:fld id="{E622FDDA-AE17-4B99-816E-0D4C62749198}" type="slidenum">
+            <a:fld id="{A80A28E8-6901-4689-8CDB-CCB29FC94421}" type="slidenum">
               <a:rPr b="0" lang="fr" sz="1000" spc="-1" strike="noStrike">
                 <a:solidFill>
                   <a:schemeClr val="lt1"/>
@@ -6617,14 +6616,14 @@
       </p:grpSpPr>
       <p:sp>
         <p:nvSpPr>
-          <p:cNvPr id="125" name="Google Shape;24;p4"/>
+          <p:cNvPr id="123" name="Google Shape;24;p4"/>
           <p:cNvSpPr/>
           <p:nvPr/>
         </p:nvSpPr>
         <p:spPr>
           <a:xfrm>
             <a:off x="0" y="0"/>
-            <a:ext cx="9142200" cy="486000"/>
+            <a:ext cx="9141120" cy="484920"/>
           </a:xfrm>
           <a:prstGeom prst="rect">
             <a:avLst/>
@@ -6664,28 +6663,28 @@
       </p:sp>
       <p:grpSp>
         <p:nvGrpSpPr>
-          <p:cNvPr id="126" name="Google Shape;25;p4"/>
+          <p:cNvPr id="124" name="Google Shape;25;p4"/>
           <p:cNvGrpSpPr/>
           <p:nvPr/>
         </p:nvGrpSpPr>
         <p:grpSpPr>
           <a:xfrm>
-            <a:off x="530280" y="1207080"/>
-            <a:ext cx="1341360" cy="15840"/>
-            <a:chOff x="530280" y="1207080"/>
-            <a:chExt cx="1341360" cy="15840"/>
+            <a:off x="530280" y="1208160"/>
+            <a:ext cx="1340280" cy="14760"/>
+            <a:chOff x="530280" y="1208160"/>
+            <a:chExt cx="1340280" cy="14760"/>
           </a:xfrm>
         </p:grpSpPr>
         <p:sp>
           <p:nvSpPr>
-            <p:cNvPr id="127" name="Google Shape;26;p4"/>
+            <p:cNvPr id="125" name="Google Shape;26;p4"/>
             <p:cNvSpPr/>
             <p:nvPr/>
           </p:nvSpPr>
           <p:spPr>
             <a:xfrm rot="16200000">
-              <a:off x="1380600" y="731880"/>
-              <a:ext cx="15840" cy="965880"/>
+              <a:off x="1380600" y="732960"/>
+              <a:ext cx="14760" cy="964800"/>
             </a:xfrm>
             <a:prstGeom prst="rect">
               <a:avLst/>
@@ -6725,14 +6724,14 @@
         </p:sp>
         <p:sp>
           <p:nvSpPr>
-            <p:cNvPr id="128" name="Google Shape;27;p4"/>
+            <p:cNvPr id="126" name="Google Shape;27;p4"/>
             <p:cNvSpPr/>
             <p:nvPr/>
           </p:nvSpPr>
           <p:spPr>
             <a:xfrm rot="16200000">
-              <a:off x="1009440" y="727920"/>
-              <a:ext cx="15840" cy="974160"/>
+              <a:off x="1009440" y="729000"/>
+              <a:ext cx="14760" cy="973080"/>
             </a:xfrm>
             <a:prstGeom prst="rect">
               <a:avLst/>
@@ -6773,7 +6772,7 @@
       </p:grpSp>
       <p:sp>
         <p:nvSpPr>
-          <p:cNvPr id="129" name="PlaceHolder 1"/>
+          <p:cNvPr id="127" name="PlaceHolder 1"/>
           <p:cNvSpPr>
             <a:spLocks noGrp="1"/>
           </p:cNvSpPr>
@@ -6822,7 +6821,7 @@
       </p:sp>
       <p:sp>
         <p:nvSpPr>
-          <p:cNvPr id="130" name="PlaceHolder 2"/>
+          <p:cNvPr id="128" name="PlaceHolder 2"/>
           <p:cNvSpPr>
             <a:spLocks noGrp="1"/>
           </p:cNvSpPr>
@@ -7047,7 +7046,7 @@
       </p:sp>
       <p:sp>
         <p:nvSpPr>
-          <p:cNvPr id="131" name="PlaceHolder 3"/>
+          <p:cNvPr id="129" name="PlaceHolder 3"/>
           <p:cNvSpPr>
             <a:spLocks noGrp="1"/>
           </p:cNvSpPr>
@@ -7058,7 +7057,7 @@
         <p:spPr>
           <a:xfrm>
             <a:off x="8536320" y="4749840"/>
-            <a:ext cx="546840" cy="391680"/>
+            <a:ext cx="545760" cy="390600"/>
           </a:xfrm>
           <a:prstGeom prst="rect">
             <a:avLst/>
@@ -7100,7 +7099,7 @@
                 <a:tab algn="l" pos="0"/>
               </a:tabLst>
             </a:pPr>
-            <a:fld id="{4596E74F-040F-403F-AC4B-D3BEF3AD2078}" type="slidenum">
+            <a:fld id="{B489DE03-D679-4010-BD99-13B5DFF2E939}" type="slidenum">
               <a:rPr b="0" lang="fr" sz="1000" spc="-1" strike="noStrike">
                 <a:solidFill>
                   <a:schemeClr val="accent1"/>
@@ -7154,28 +7153,28 @@
       </p:grpSpPr>
       <p:grpSp>
         <p:nvGrpSpPr>
-          <p:cNvPr id="134" name="Google Shape;18;p3"/>
+          <p:cNvPr id="132" name="Google Shape;18;p3"/>
           <p:cNvGrpSpPr/>
           <p:nvPr/>
         </p:nvGrpSpPr>
         <p:grpSpPr>
           <a:xfrm>
-            <a:off x="530280" y="1207080"/>
-            <a:ext cx="1341360" cy="15840"/>
-            <a:chOff x="530280" y="1207080"/>
-            <a:chExt cx="1341360" cy="15840"/>
+            <a:off x="530280" y="1208160"/>
+            <a:ext cx="1340280" cy="14760"/>
+            <a:chOff x="530280" y="1208160"/>
+            <a:chExt cx="1340280" cy="14760"/>
           </a:xfrm>
         </p:grpSpPr>
         <p:sp>
           <p:nvSpPr>
-            <p:cNvPr id="135" name="Google Shape;19;p3"/>
+            <p:cNvPr id="133" name="Google Shape;19;p3"/>
             <p:cNvSpPr/>
             <p:nvPr/>
           </p:nvSpPr>
           <p:spPr>
             <a:xfrm rot="16200000">
-              <a:off x="1380600" y="731880"/>
-              <a:ext cx="15840" cy="965880"/>
+              <a:off x="1380600" y="732960"/>
+              <a:ext cx="14760" cy="964800"/>
             </a:xfrm>
             <a:prstGeom prst="rect">
               <a:avLst/>
@@ -7215,14 +7214,14 @@
         </p:sp>
         <p:sp>
           <p:nvSpPr>
-            <p:cNvPr id="136" name="Google Shape;20;p3"/>
+            <p:cNvPr id="134" name="Google Shape;20;p3"/>
             <p:cNvSpPr/>
             <p:nvPr/>
           </p:nvSpPr>
           <p:spPr>
             <a:xfrm rot="16200000">
-              <a:off x="1009440" y="727920"/>
-              <a:ext cx="15840" cy="974160"/>
+              <a:off x="1009440" y="729000"/>
+              <a:ext cx="14760" cy="973080"/>
             </a:xfrm>
             <a:prstGeom prst="rect">
               <a:avLst/>
@@ -7263,7 +7262,7 @@
       </p:grpSp>
       <p:sp>
         <p:nvSpPr>
-          <p:cNvPr id="137" name="PlaceHolder 1"/>
+          <p:cNvPr id="135" name="PlaceHolder 1"/>
           <p:cNvSpPr>
             <a:spLocks noGrp="1"/>
           </p:cNvSpPr>
@@ -7274,7 +7273,7 @@
         <p:spPr>
           <a:xfrm>
             <a:off x="8536320" y="4749840"/>
-            <a:ext cx="546840" cy="391680"/>
+            <a:ext cx="545760" cy="390600"/>
           </a:xfrm>
           <a:prstGeom prst="rect">
             <a:avLst/>
@@ -7316,7 +7315,7 @@
                 <a:tab algn="l" pos="0"/>
               </a:tabLst>
             </a:pPr>
-            <a:fld id="{7CEAEBA9-B962-4AA4-810A-44E2DB7A3203}" type="slidenum">
+            <a:fld id="{E8BC3299-920F-42AD-BF6A-DFBC13DACD2D}" type="slidenum">
               <a:rPr b="0" lang="fr" sz="1000" spc="-1" strike="noStrike">
                 <a:solidFill>
                   <a:schemeClr val="lt1"/>
@@ -7370,28 +7369,28 @@
       </p:grpSpPr>
       <p:grpSp>
         <p:nvGrpSpPr>
-          <p:cNvPr id="138" name="Google Shape;18;p3"/>
+          <p:cNvPr id="136" name="Google Shape;18;p3"/>
           <p:cNvGrpSpPr/>
           <p:nvPr/>
         </p:nvGrpSpPr>
         <p:grpSpPr>
           <a:xfrm>
-            <a:off x="530280" y="1207080"/>
-            <a:ext cx="1341360" cy="15840"/>
-            <a:chOff x="530280" y="1207080"/>
-            <a:chExt cx="1341360" cy="15840"/>
+            <a:off x="530280" y="1208160"/>
+            <a:ext cx="1340280" cy="14760"/>
+            <a:chOff x="530280" y="1208160"/>
+            <a:chExt cx="1340280" cy="14760"/>
           </a:xfrm>
         </p:grpSpPr>
         <p:sp>
           <p:nvSpPr>
-            <p:cNvPr id="139" name="Google Shape;19;p3"/>
+            <p:cNvPr id="137" name="Google Shape;19;p3"/>
             <p:cNvSpPr/>
             <p:nvPr/>
           </p:nvSpPr>
           <p:spPr>
             <a:xfrm rot="16200000">
-              <a:off x="1380600" y="731880"/>
-              <a:ext cx="15840" cy="965880"/>
+              <a:off x="1380600" y="732960"/>
+              <a:ext cx="14760" cy="964800"/>
             </a:xfrm>
             <a:prstGeom prst="rect">
               <a:avLst/>
@@ -7431,14 +7430,14 @@
         </p:sp>
         <p:sp>
           <p:nvSpPr>
-            <p:cNvPr id="140" name="Google Shape;20;p3"/>
+            <p:cNvPr id="138" name="Google Shape;20;p3"/>
             <p:cNvSpPr/>
             <p:nvPr/>
           </p:nvSpPr>
           <p:spPr>
             <a:xfrm rot="16200000">
-              <a:off x="1009440" y="727920"/>
-              <a:ext cx="15840" cy="974160"/>
+              <a:off x="1009440" y="729000"/>
+              <a:ext cx="14760" cy="973080"/>
             </a:xfrm>
             <a:prstGeom prst="rect">
               <a:avLst/>
@@ -7479,7 +7478,7 @@
       </p:grpSp>
       <p:sp>
         <p:nvSpPr>
-          <p:cNvPr id="141" name="PlaceHolder 1"/>
+          <p:cNvPr id="139" name="PlaceHolder 1"/>
           <p:cNvSpPr>
             <a:spLocks noGrp="1"/>
           </p:cNvSpPr>
@@ -7490,7 +7489,7 @@
         <p:spPr>
           <a:xfrm>
             <a:off x="8536320" y="4749840"/>
-            <a:ext cx="546840" cy="391680"/>
+            <a:ext cx="545760" cy="390600"/>
           </a:xfrm>
           <a:prstGeom prst="rect">
             <a:avLst/>
@@ -7532,7 +7531,7 @@
                 <a:tab algn="l" pos="0"/>
               </a:tabLst>
             </a:pPr>
-            <a:fld id="{A41EBA5D-62E6-4C43-BEBF-4B1974D37AFA}" type="slidenum">
+            <a:fld id="{D315235B-4F2C-417E-960C-51FDBD5A4B4C}" type="slidenum">
               <a:rPr b="0" lang="fr" sz="1000" spc="-1" strike="noStrike">
                 <a:solidFill>
                   <a:schemeClr val="lt1"/>
@@ -7553,7 +7552,7 @@
       </p:sp>
       <p:sp>
         <p:nvSpPr>
-          <p:cNvPr id="142" name="PlaceHolder 2"/>
+          <p:cNvPr id="140" name="PlaceHolder 2"/>
           <p:cNvSpPr>
             <a:spLocks noGrp="1"/>
           </p:cNvSpPr>
@@ -7602,7 +7601,7 @@
       </p:sp>
       <p:sp>
         <p:nvSpPr>
-          <p:cNvPr id="143" name="PlaceHolder 3"/>
+          <p:cNvPr id="141" name="PlaceHolder 3"/>
           <p:cNvSpPr>
             <a:spLocks noGrp="1"/>
           </p:cNvSpPr>
@@ -7860,28 +7859,28 @@
       </p:grpSpPr>
       <p:grpSp>
         <p:nvGrpSpPr>
-          <p:cNvPr id="144" name="Google Shape;56;p8"/>
+          <p:cNvPr id="142" name="Google Shape;56;p8"/>
           <p:cNvGrpSpPr/>
           <p:nvPr/>
         </p:nvGrpSpPr>
         <p:grpSpPr>
           <a:xfrm>
-            <a:off x="530280" y="4185000"/>
-            <a:ext cx="1341360" cy="15840"/>
-            <a:chOff x="530280" y="4185000"/>
-            <a:chExt cx="1341360" cy="15840"/>
+            <a:off x="530280" y="4186080"/>
+            <a:ext cx="1340280" cy="14760"/>
+            <a:chOff x="530280" y="4186080"/>
+            <a:chExt cx="1340280" cy="14760"/>
           </a:xfrm>
         </p:grpSpPr>
         <p:sp>
           <p:nvSpPr>
-            <p:cNvPr id="145" name="Google Shape;57;p8"/>
+            <p:cNvPr id="143" name="Google Shape;57;p8"/>
             <p:cNvSpPr/>
             <p:nvPr/>
           </p:nvSpPr>
           <p:spPr>
             <a:xfrm rot="16200000">
-              <a:off x="1380600" y="3709800"/>
-              <a:ext cx="15840" cy="965880"/>
+              <a:off x="1380600" y="3710880"/>
+              <a:ext cx="14760" cy="964800"/>
             </a:xfrm>
             <a:prstGeom prst="rect">
               <a:avLst/>
@@ -7921,14 +7920,14 @@
         </p:sp>
         <p:sp>
           <p:nvSpPr>
-            <p:cNvPr id="146" name="Google Shape;58;p8"/>
+            <p:cNvPr id="144" name="Google Shape;58;p8"/>
             <p:cNvSpPr/>
             <p:nvPr/>
           </p:nvSpPr>
           <p:spPr>
             <a:xfrm rot="16200000">
-              <a:off x="1009440" y="3705840"/>
-              <a:ext cx="15840" cy="974160"/>
+              <a:off x="1009440" y="3706920"/>
+              <a:ext cx="14760" cy="973080"/>
             </a:xfrm>
             <a:prstGeom prst="rect">
               <a:avLst/>
@@ -7969,7 +7968,7 @@
       </p:grpSp>
       <p:sp>
         <p:nvSpPr>
-          <p:cNvPr id="147" name="PlaceHolder 1"/>
+          <p:cNvPr id="145" name="PlaceHolder 1"/>
           <p:cNvSpPr>
             <a:spLocks noGrp="1"/>
           </p:cNvSpPr>
@@ -7980,7 +7979,7 @@
         <p:spPr>
           <a:xfrm>
             <a:off x="8536320" y="4749840"/>
-            <a:ext cx="546840" cy="391680"/>
+            <a:ext cx="545760" cy="390600"/>
           </a:xfrm>
           <a:prstGeom prst="rect">
             <a:avLst/>
@@ -8022,7 +8021,7 @@
                 <a:tab algn="l" pos="0"/>
               </a:tabLst>
             </a:pPr>
-            <a:fld id="{BB2E164F-4343-4D10-8550-DA868CD91182}" type="slidenum">
+            <a:fld id="{F847A7EB-A4B8-4F6C-94D1-444B224A24A5}" type="slidenum">
               <a:rPr b="0" lang="fr" sz="1000" spc="-1" strike="noStrike">
                 <a:solidFill>
                   <a:schemeClr val="lt1"/>
@@ -8043,7 +8042,7 @@
       </p:sp>
       <p:sp>
         <p:nvSpPr>
-          <p:cNvPr id="148" name="PlaceHolder 2"/>
+          <p:cNvPr id="146" name="PlaceHolder 2"/>
           <p:cNvSpPr>
             <a:spLocks noGrp="1"/>
           </p:cNvSpPr>
@@ -8092,7 +8091,7 @@
       </p:sp>
       <p:sp>
         <p:nvSpPr>
-          <p:cNvPr id="149" name="PlaceHolder 3"/>
+          <p:cNvPr id="147" name="PlaceHolder 3"/>
           <p:cNvSpPr>
             <a:spLocks noGrp="1"/>
           </p:cNvSpPr>
@@ -8361,7 +8360,7 @@
         <p:spPr>
           <a:xfrm>
             <a:off x="8536320" y="4749840"/>
-            <a:ext cx="546840" cy="391680"/>
+            <a:ext cx="545760" cy="390600"/>
           </a:xfrm>
           <a:prstGeom prst="rect">
             <a:avLst/>
@@ -8403,7 +8402,7 @@
                 <a:tab algn="l" pos="0"/>
               </a:tabLst>
             </a:pPr>
-            <a:fld id="{94EFAC84-9CC0-4086-A5F1-3013387A3AC8}" type="slidenum">
+            <a:fld id="{A0A04799-6DAE-4F08-8B07-D70438D2C476}" type="slidenum">
               <a:rPr b="0" lang="fr" sz="1000" spc="-1" strike="noStrike">
                 <a:solidFill>
                   <a:schemeClr val="accent1"/>
@@ -8463,10 +8462,10 @@
         </p:nvGrpSpPr>
         <p:grpSpPr>
           <a:xfrm>
-            <a:off x="530280" y="1207080"/>
-            <a:ext cx="1341360" cy="15840"/>
-            <a:chOff x="530280" y="1207080"/>
-            <a:chExt cx="1341360" cy="15840"/>
+            <a:off x="530280" y="1208160"/>
+            <a:ext cx="1340280" cy="14760"/>
+            <a:chOff x="530280" y="1208160"/>
+            <a:chExt cx="1340280" cy="14760"/>
           </a:xfrm>
         </p:grpSpPr>
         <p:sp>
@@ -8477,8 +8476,8 @@
           </p:nvSpPr>
           <p:spPr>
             <a:xfrm rot="16200000">
-              <a:off x="1380600" y="731880"/>
-              <a:ext cx="15840" cy="965880"/>
+              <a:off x="1380600" y="732960"/>
+              <a:ext cx="14760" cy="964800"/>
             </a:xfrm>
             <a:prstGeom prst="rect">
               <a:avLst/>
@@ -8526,8 +8525,8 @@
           </p:nvSpPr>
           <p:spPr>
             <a:xfrm rot="16200000">
-              <a:off x="1009440" y="727920"/>
-              <a:ext cx="15840" cy="974160"/>
+              <a:off x="1009440" y="729000"/>
+              <a:ext cx="14760" cy="973080"/>
             </a:xfrm>
             <a:prstGeom prst="rect">
               <a:avLst/>
@@ -8581,7 +8580,7 @@
         <p:spPr>
           <a:xfrm>
             <a:off x="8536320" y="4749840"/>
-            <a:ext cx="546840" cy="391680"/>
+            <a:ext cx="545760" cy="390600"/>
           </a:xfrm>
           <a:prstGeom prst="rect">
             <a:avLst/>
@@ -8623,7 +8622,7 @@
                 <a:tab algn="l" pos="0"/>
               </a:tabLst>
             </a:pPr>
-            <a:fld id="{DD9CB9F1-0B58-411C-8020-67E3E000E26D}" type="slidenum">
+            <a:fld id="{CA9BF037-F5E8-41E3-A0C8-0C2947B0CD2F}" type="slidenum">
               <a:rPr b="0" lang="fr" sz="1000" spc="-1" strike="noStrike">
                 <a:solidFill>
                   <a:schemeClr val="lt1"/>
@@ -8958,7 +8957,7 @@
         <p:spPr>
           <a:xfrm>
             <a:off x="0" y="0"/>
-            <a:ext cx="9142200" cy="486000"/>
+            <a:ext cx="9141120" cy="484920"/>
           </a:xfrm>
           <a:prstGeom prst="rect">
             <a:avLst/>
@@ -9006,10 +9005,10 @@
         </p:nvGrpSpPr>
         <p:grpSpPr>
           <a:xfrm>
-            <a:off x="530280" y="1207080"/>
-            <a:ext cx="1341360" cy="15840"/>
-            <a:chOff x="530280" y="1207080"/>
-            <a:chExt cx="1341360" cy="15840"/>
+            <a:off x="530280" y="1208160"/>
+            <a:ext cx="1340280" cy="14760"/>
+            <a:chOff x="530280" y="1208160"/>
+            <a:chExt cx="1340280" cy="14760"/>
           </a:xfrm>
         </p:grpSpPr>
         <p:sp>
@@ -9020,8 +9019,8 @@
           </p:nvSpPr>
           <p:spPr>
             <a:xfrm rot="16200000">
-              <a:off x="1380600" y="731880"/>
-              <a:ext cx="15840" cy="965880"/>
+              <a:off x="1380600" y="732960"/>
+              <a:ext cx="14760" cy="964800"/>
             </a:xfrm>
             <a:prstGeom prst="rect">
               <a:avLst/>
@@ -9069,8 +9068,8 @@
           </p:nvSpPr>
           <p:spPr>
             <a:xfrm rot="16200000">
-              <a:off x="1009440" y="727920"/>
-              <a:ext cx="15840" cy="974160"/>
+              <a:off x="1009440" y="729000"/>
+              <a:ext cx="14760" cy="973080"/>
             </a:xfrm>
             <a:prstGeom prst="rect">
               <a:avLst/>
@@ -9398,7 +9397,7 @@
         <p:spPr>
           <a:xfrm>
             <a:off x="8536320" y="4749840"/>
-            <a:ext cx="546840" cy="391680"/>
+            <a:ext cx="545760" cy="390600"/>
           </a:xfrm>
           <a:prstGeom prst="rect">
             <a:avLst/>
@@ -9440,7 +9439,7 @@
                 <a:tab algn="l" pos="0"/>
               </a:tabLst>
             </a:pPr>
-            <a:fld id="{5A965434-2540-492B-BF82-719D34758F43}" type="slidenum">
+            <a:fld id="{B0F851C2-FF68-4DC0-A5FC-8067ABF68832}" type="slidenum">
               <a:rPr b="0" lang="fr" sz="1000" spc="-1" strike="noStrike">
                 <a:solidFill>
                   <a:schemeClr val="accent1"/>
@@ -9501,7 +9500,7 @@
         <p:spPr>
           <a:xfrm>
             <a:off x="0" y="0"/>
-            <a:ext cx="9142200" cy="486000"/>
+            <a:ext cx="9141120" cy="484920"/>
           </a:xfrm>
           <a:prstGeom prst="rect">
             <a:avLst/>
@@ -9549,10 +9548,10 @@
         </p:nvGrpSpPr>
         <p:grpSpPr>
           <a:xfrm>
-            <a:off x="530280" y="1207080"/>
-            <a:ext cx="1341360" cy="15840"/>
-            <a:chOff x="530280" y="1207080"/>
-            <a:chExt cx="1341360" cy="15840"/>
+            <a:off x="530280" y="1208160"/>
+            <a:ext cx="1340280" cy="14760"/>
+            <a:chOff x="530280" y="1208160"/>
+            <a:chExt cx="1340280" cy="14760"/>
           </a:xfrm>
         </p:grpSpPr>
         <p:sp>
@@ -9563,8 +9562,8 @@
           </p:nvSpPr>
           <p:spPr>
             <a:xfrm rot="16200000">
-              <a:off x="1380600" y="731880"/>
-              <a:ext cx="15840" cy="965880"/>
+              <a:off x="1380600" y="732960"/>
+              <a:ext cx="14760" cy="964800"/>
             </a:xfrm>
             <a:prstGeom prst="rect">
               <a:avLst/>
@@ -9612,8 +9611,8 @@
           </p:nvSpPr>
           <p:spPr>
             <a:xfrm rot="16200000">
-              <a:off x="1009440" y="727920"/>
-              <a:ext cx="15840" cy="974160"/>
+              <a:off x="1009440" y="729000"/>
+              <a:ext cx="14760" cy="973080"/>
             </a:xfrm>
             <a:prstGeom prst="rect">
               <a:avLst/>
@@ -10166,7 +10165,7 @@
         <p:spPr>
           <a:xfrm>
             <a:off x="8536320" y="4749840"/>
-            <a:ext cx="546840" cy="391680"/>
+            <a:ext cx="545760" cy="390600"/>
           </a:xfrm>
           <a:prstGeom prst="rect">
             <a:avLst/>
@@ -10208,7 +10207,7 @@
                 <a:tab algn="l" pos="0"/>
               </a:tabLst>
             </a:pPr>
-            <a:fld id="{D3ECD5B9-D4D4-4CD1-8824-8ECB75B437F1}" type="slidenum">
+            <a:fld id="{361DD7A3-6846-4102-84F2-E3AAD7D74FF6}" type="slidenum">
               <a:rPr b="0" lang="fr" sz="1000" spc="-1" strike="noStrike">
                 <a:solidFill>
                   <a:schemeClr val="accent1"/>
@@ -10269,7 +10268,7 @@
         <p:spPr>
           <a:xfrm>
             <a:off x="0" y="0"/>
-            <a:ext cx="9142200" cy="486000"/>
+            <a:ext cx="9141120" cy="484920"/>
           </a:xfrm>
           <a:prstGeom prst="rect">
             <a:avLst/>
@@ -10317,10 +10316,10 @@
         </p:nvGrpSpPr>
         <p:grpSpPr>
           <a:xfrm>
-            <a:off x="530280" y="1207080"/>
-            <a:ext cx="1341360" cy="15840"/>
-            <a:chOff x="530280" y="1207080"/>
-            <a:chExt cx="1341360" cy="15840"/>
+            <a:off x="530280" y="1208160"/>
+            <a:ext cx="1340280" cy="14760"/>
+            <a:chOff x="530280" y="1208160"/>
+            <a:chExt cx="1340280" cy="14760"/>
           </a:xfrm>
         </p:grpSpPr>
         <p:sp>
@@ -10331,8 +10330,8 @@
           </p:nvSpPr>
           <p:spPr>
             <a:xfrm rot="16200000">
-              <a:off x="1380600" y="731880"/>
-              <a:ext cx="15840" cy="965880"/>
+              <a:off x="1380600" y="732960"/>
+              <a:ext cx="14760" cy="964800"/>
             </a:xfrm>
             <a:prstGeom prst="rect">
               <a:avLst/>
@@ -10380,8 +10379,8 @@
           </p:nvSpPr>
           <p:spPr>
             <a:xfrm rot="16200000">
-              <a:off x="1009440" y="727920"/>
-              <a:ext cx="15840" cy="974160"/>
+              <a:off x="1009440" y="729000"/>
+              <a:ext cx="14760" cy="973080"/>
             </a:xfrm>
             <a:prstGeom prst="rect">
               <a:avLst/>
@@ -10484,7 +10483,7 @@
         <p:spPr>
           <a:xfrm>
             <a:off x="8536320" y="4749840"/>
-            <a:ext cx="546840" cy="391680"/>
+            <a:ext cx="545760" cy="390600"/>
           </a:xfrm>
           <a:prstGeom prst="rect">
             <a:avLst/>
@@ -10526,7 +10525,7 @@
                 <a:tab algn="l" pos="0"/>
               </a:tabLst>
             </a:pPr>
-            <a:fld id="{EC98F1B5-BAEC-46D7-A7ED-78095378BD9D}" type="slidenum">
+            <a:fld id="{B5FE9029-E7C7-42C8-87BF-3FB482872349}" type="slidenum">
               <a:rPr b="0" lang="fr" sz="1000" spc="-1" strike="noStrike">
                 <a:solidFill>
                   <a:schemeClr val="accent1"/>
@@ -10587,7 +10586,7 @@
         <p:spPr>
           <a:xfrm>
             <a:off x="0" y="0"/>
-            <a:ext cx="9142200" cy="486000"/>
+            <a:ext cx="9141120" cy="484920"/>
           </a:xfrm>
           <a:prstGeom prst="rect">
             <a:avLst/>
@@ -10635,10 +10634,10 @@
         </p:nvGrpSpPr>
         <p:grpSpPr>
           <a:xfrm>
-            <a:off x="530280" y="1207080"/>
-            <a:ext cx="1341360" cy="15840"/>
-            <a:chOff x="530280" y="1207080"/>
-            <a:chExt cx="1341360" cy="15840"/>
+            <a:off x="530280" y="1208160"/>
+            <a:ext cx="1340280" cy="14760"/>
+            <a:chOff x="530280" y="1208160"/>
+            <a:chExt cx="1340280" cy="14760"/>
           </a:xfrm>
         </p:grpSpPr>
         <p:sp>
@@ -10649,8 +10648,8 @@
           </p:nvSpPr>
           <p:spPr>
             <a:xfrm rot="16200000">
-              <a:off x="1380600" y="731880"/>
-              <a:ext cx="15840" cy="965880"/>
+              <a:off x="1380600" y="732960"/>
+              <a:ext cx="14760" cy="964800"/>
             </a:xfrm>
             <a:prstGeom prst="rect">
               <a:avLst/>
@@ -10698,8 +10697,8 @@
           </p:nvSpPr>
           <p:spPr>
             <a:xfrm rot="16200000">
-              <a:off x="1009440" y="727920"/>
-              <a:ext cx="15840" cy="974160"/>
+              <a:off x="1009440" y="729000"/>
+              <a:ext cx="14760" cy="973080"/>
             </a:xfrm>
             <a:prstGeom prst="rect">
               <a:avLst/>
@@ -10753,7 +10752,7 @@
         <p:spPr>
           <a:xfrm>
             <a:off x="8536320" y="4749840"/>
-            <a:ext cx="546840" cy="391680"/>
+            <a:ext cx="545760" cy="390600"/>
           </a:xfrm>
           <a:prstGeom prst="rect">
             <a:avLst/>
@@ -10795,7 +10794,7 @@
                 <a:tab algn="l" pos="0"/>
               </a:tabLst>
             </a:pPr>
-            <a:fld id="{0998123A-F7FA-4F50-97D2-12DEC7841CBE}" type="slidenum">
+            <a:fld id="{2CA04912-E362-46A1-9C4E-9254643ACE18}" type="slidenum">
               <a:rPr b="0" lang="fr" sz="1000" spc="-1" strike="noStrike">
                 <a:solidFill>
                   <a:schemeClr val="accent1"/>
@@ -10810,280 +10809,6 @@
                 <a:srgbClr val="000000"/>
               </a:solidFill>
               <a:latin typeface="Times New Roman"/>
-            </a:endParaRPr>
-          </a:p>
-        </p:txBody>
-      </p:sp>
-      <p:sp>
-        <p:nvSpPr>
-          <p:cNvPr id="52" name="PlaceHolder 2"/>
-          <p:cNvSpPr>
-            <a:spLocks noGrp="1"/>
-          </p:cNvSpPr>
-          <p:nvPr>
-            <p:ph type="title"/>
-          </p:nvPr>
-        </p:nvSpPr>
-        <p:spPr>
-          <a:xfrm>
-            <a:off x="457200" y="205200"/>
-            <a:ext cx="8229240" cy="858600"/>
-          </a:xfrm>
-          <a:prstGeom prst="rect">
-            <a:avLst/>
-          </a:prstGeom>
-          <a:noFill/>
-          <a:ln w="0">
-            <a:noFill/>
-          </a:ln>
-        </p:spPr>
-        <p:txBody>
-          <a:bodyPr lIns="0" rIns="0" tIns="0" bIns="0" anchor="ctr">
-            <a:noAutofit/>
-          </a:bodyPr>
-          <a:p>
-            <a:pPr indent="0" algn="ctr">
-              <a:buNone/>
-            </a:pPr>
-            <a:r>
-              <a:rPr b="0" lang="en-US" sz="4400" spc="-1" strike="noStrike">
-                <a:solidFill>
-                  <a:srgbClr val="000000"/>
-                </a:solidFill>
-                <a:latin typeface="Arial"/>
-              </a:rPr>
-              <a:t>Click to edit the title text format</a:t>
-            </a:r>
-            <a:endParaRPr b="0" lang="en-US" sz="4400" spc="-1" strike="noStrike">
-              <a:solidFill>
-                <a:srgbClr val="000000"/>
-              </a:solidFill>
-              <a:latin typeface="Arial"/>
-            </a:endParaRPr>
-          </a:p>
-        </p:txBody>
-      </p:sp>
-      <p:sp>
-        <p:nvSpPr>
-          <p:cNvPr id="53" name="PlaceHolder 3"/>
-          <p:cNvSpPr>
-            <a:spLocks noGrp="1"/>
-          </p:cNvSpPr>
-          <p:nvPr>
-            <p:ph type="body"/>
-          </p:nvPr>
-        </p:nvSpPr>
-        <p:spPr>
-          <a:xfrm>
-            <a:off x="457200" y="1203480"/>
-            <a:ext cx="8229240" cy="2982960"/>
-          </a:xfrm>
-          <a:prstGeom prst="rect">
-            <a:avLst/>
-          </a:prstGeom>
-          <a:noFill/>
-          <a:ln w="0">
-            <a:noFill/>
-          </a:ln>
-        </p:spPr>
-        <p:txBody>
-          <a:bodyPr lIns="0" rIns="0" tIns="0" bIns="0" anchor="t">
-            <a:normAutofit/>
-          </a:bodyPr>
-          <a:p>
-            <a:pPr marL="432000" indent="-324000">
-              <a:spcBef>
-                <a:spcPts val="1417"/>
-              </a:spcBef>
-              <a:buClr>
-                <a:srgbClr val="000000"/>
-              </a:buClr>
-              <a:buSzPct val="45000"/>
-              <a:buFont typeface="Wingdings" charset="2"/>
-              <a:buChar char=""/>
-            </a:pPr>
-            <a:r>
-              <a:rPr b="0" lang="en-US" sz="3200" spc="-1" strike="noStrike">
-                <a:solidFill>
-                  <a:srgbClr val="000000"/>
-                </a:solidFill>
-                <a:latin typeface="Arial"/>
-              </a:rPr>
-              <a:t>Click to edit the outline text format</a:t>
-            </a:r>
-            <a:endParaRPr b="0" lang="en-US" sz="3200" spc="-1" strike="noStrike">
-              <a:solidFill>
-                <a:srgbClr val="000000"/>
-              </a:solidFill>
-              <a:latin typeface="Arial"/>
-            </a:endParaRPr>
-          </a:p>
-          <a:p>
-            <a:pPr lvl="1" marL="864000" indent="-324000">
-              <a:spcBef>
-                <a:spcPts val="1134"/>
-              </a:spcBef>
-              <a:buClr>
-                <a:srgbClr val="000000"/>
-              </a:buClr>
-              <a:buSzPct val="75000"/>
-              <a:buFont typeface="Symbol" charset="2"/>
-              <a:buChar char=""/>
-            </a:pPr>
-            <a:r>
-              <a:rPr b="0" lang="en-US" sz="2800" spc="-1" strike="noStrike">
-                <a:solidFill>
-                  <a:srgbClr val="000000"/>
-                </a:solidFill>
-                <a:latin typeface="Arial"/>
-              </a:rPr>
-              <a:t>Second Outline Level</a:t>
-            </a:r>
-            <a:endParaRPr b="0" lang="en-US" sz="2800" spc="-1" strike="noStrike">
-              <a:solidFill>
-                <a:srgbClr val="000000"/>
-              </a:solidFill>
-              <a:latin typeface="Arial"/>
-            </a:endParaRPr>
-          </a:p>
-          <a:p>
-            <a:pPr lvl="2" marL="1296000" indent="-288000">
-              <a:spcBef>
-                <a:spcPts val="850"/>
-              </a:spcBef>
-              <a:buClr>
-                <a:srgbClr val="000000"/>
-              </a:buClr>
-              <a:buSzPct val="45000"/>
-              <a:buFont typeface="Wingdings" charset="2"/>
-              <a:buChar char=""/>
-            </a:pPr>
-            <a:r>
-              <a:rPr b="0" lang="en-US" sz="2400" spc="-1" strike="noStrike">
-                <a:solidFill>
-                  <a:srgbClr val="000000"/>
-                </a:solidFill>
-                <a:latin typeface="Arial"/>
-              </a:rPr>
-              <a:t>Third Outline Level</a:t>
-            </a:r>
-            <a:endParaRPr b="0" lang="en-US" sz="2400" spc="-1" strike="noStrike">
-              <a:solidFill>
-                <a:srgbClr val="000000"/>
-              </a:solidFill>
-              <a:latin typeface="Arial"/>
-            </a:endParaRPr>
-          </a:p>
-          <a:p>
-            <a:pPr lvl="3" marL="1728000" indent="-216000">
-              <a:spcBef>
-                <a:spcPts val="567"/>
-              </a:spcBef>
-              <a:buClr>
-                <a:srgbClr val="000000"/>
-              </a:buClr>
-              <a:buSzPct val="75000"/>
-              <a:buFont typeface="Symbol" charset="2"/>
-              <a:buChar char=""/>
-            </a:pPr>
-            <a:r>
-              <a:rPr b="0" lang="en-US" sz="2000" spc="-1" strike="noStrike">
-                <a:solidFill>
-                  <a:srgbClr val="000000"/>
-                </a:solidFill>
-                <a:latin typeface="Arial"/>
-              </a:rPr>
-              <a:t>Fourth Outline Level</a:t>
-            </a:r>
-            <a:endParaRPr b="0" lang="en-US" sz="2000" spc="-1" strike="noStrike">
-              <a:solidFill>
-                <a:srgbClr val="000000"/>
-              </a:solidFill>
-              <a:latin typeface="Arial"/>
-            </a:endParaRPr>
-          </a:p>
-          <a:p>
-            <a:pPr lvl="4" marL="2160000" indent="-216000">
-              <a:spcBef>
-                <a:spcPts val="283"/>
-              </a:spcBef>
-              <a:buClr>
-                <a:srgbClr val="000000"/>
-              </a:buClr>
-              <a:buSzPct val="45000"/>
-              <a:buFont typeface="Wingdings" charset="2"/>
-              <a:buChar char=""/>
-            </a:pPr>
-            <a:r>
-              <a:rPr b="0" lang="en-US" sz="2000" spc="-1" strike="noStrike">
-                <a:solidFill>
-                  <a:srgbClr val="000000"/>
-                </a:solidFill>
-                <a:latin typeface="Arial"/>
-              </a:rPr>
-              <a:t>Fifth Outline Level</a:t>
-            </a:r>
-            <a:endParaRPr b="0" lang="en-US" sz="2000" spc="-1" strike="noStrike">
-              <a:solidFill>
-                <a:srgbClr val="000000"/>
-              </a:solidFill>
-              <a:latin typeface="Arial"/>
-            </a:endParaRPr>
-          </a:p>
-          <a:p>
-            <a:pPr lvl="5" marL="2592000" indent="-216000">
-              <a:spcBef>
-                <a:spcPts val="283"/>
-              </a:spcBef>
-              <a:buClr>
-                <a:srgbClr val="000000"/>
-              </a:buClr>
-              <a:buSzPct val="45000"/>
-              <a:buFont typeface="Wingdings" charset="2"/>
-              <a:buChar char=""/>
-            </a:pPr>
-            <a:r>
-              <a:rPr b="0" lang="en-US" sz="2000" spc="-1" strike="noStrike">
-                <a:solidFill>
-                  <a:srgbClr val="000000"/>
-                </a:solidFill>
-                <a:latin typeface="Arial"/>
-              </a:rPr>
-              <a:t>Sixth Outline Level</a:t>
-            </a:r>
-            <a:endParaRPr b="0" lang="en-US" sz="2000" spc="-1" strike="noStrike">
-              <a:solidFill>
-                <a:srgbClr val="000000"/>
-              </a:solidFill>
-              <a:latin typeface="Arial"/>
-            </a:endParaRPr>
-          </a:p>
-          <a:p>
-            <a:pPr lvl="6" marL="3024000" indent="-216000">
-              <a:spcBef>
-                <a:spcPts val="283"/>
-              </a:spcBef>
-              <a:buClr>
-                <a:srgbClr val="000000"/>
-              </a:buClr>
-              <a:buSzPct val="45000"/>
-              <a:buFont typeface="Wingdings" charset="2"/>
-              <a:buChar char=""/>
-            </a:pPr>
-            <a:r>
-              <a:rPr b="0" lang="en-US" sz="2000" spc="-1" strike="noStrike">
-                <a:solidFill>
-                  <a:srgbClr val="000000"/>
-                </a:solidFill>
-                <a:latin typeface="Arial"/>
-              </a:rPr>
-              <a:t>Seventh Outline Level</a:t>
-            </a:r>
-            <a:endParaRPr b="0" lang="en-US" sz="2000" spc="-1" strike="noStrike">
-              <a:solidFill>
-                <a:srgbClr val="000000"/>
-              </a:solidFill>
-              <a:latin typeface="Arial"/>
             </a:endParaRPr>
           </a:p>
         </p:txBody>
@@ -11123,28 +10848,28 @@
       </p:grpSpPr>
       <p:grpSp>
         <p:nvGrpSpPr>
-          <p:cNvPr id="54" name="Google Shape;56;p8"/>
+          <p:cNvPr id="52" name="Google Shape;56;p8"/>
           <p:cNvGrpSpPr/>
           <p:nvPr/>
         </p:nvGrpSpPr>
         <p:grpSpPr>
           <a:xfrm>
-            <a:off x="530280" y="4185000"/>
-            <a:ext cx="1341360" cy="15840"/>
-            <a:chOff x="530280" y="4185000"/>
-            <a:chExt cx="1341360" cy="15840"/>
+            <a:off x="530280" y="4186080"/>
+            <a:ext cx="1340280" cy="14760"/>
+            <a:chOff x="530280" y="4186080"/>
+            <a:chExt cx="1340280" cy="14760"/>
           </a:xfrm>
         </p:grpSpPr>
         <p:sp>
           <p:nvSpPr>
-            <p:cNvPr id="55" name="Google Shape;57;p8"/>
+            <p:cNvPr id="53" name="Google Shape;57;p8"/>
             <p:cNvSpPr/>
             <p:nvPr/>
           </p:nvSpPr>
           <p:spPr>
             <a:xfrm rot="16200000">
-              <a:off x="1380600" y="3709800"/>
-              <a:ext cx="15840" cy="965880"/>
+              <a:off x="1380600" y="3710880"/>
+              <a:ext cx="14760" cy="964800"/>
             </a:xfrm>
             <a:prstGeom prst="rect">
               <a:avLst/>
@@ -11186,14 +10911,14 @@
         </p:sp>
         <p:sp>
           <p:nvSpPr>
-            <p:cNvPr id="56" name="Google Shape;58;p8"/>
+            <p:cNvPr id="54" name="Google Shape;58;p8"/>
             <p:cNvSpPr/>
             <p:nvPr/>
           </p:nvSpPr>
           <p:spPr>
             <a:xfrm rot="16200000">
-              <a:off x="1009440" y="3705840"/>
-              <a:ext cx="15840" cy="974160"/>
+              <a:off x="1009440" y="3706920"/>
+              <a:ext cx="14760" cy="973080"/>
             </a:xfrm>
             <a:prstGeom prst="rect">
               <a:avLst/>
@@ -11236,7 +10961,7 @@
       </p:grpSp>
       <p:sp>
         <p:nvSpPr>
-          <p:cNvPr id="57" name="PlaceHolder 1"/>
+          <p:cNvPr id="55" name="PlaceHolder 1"/>
           <p:cNvSpPr>
             <a:spLocks noGrp="1"/>
           </p:cNvSpPr>
@@ -11247,7 +10972,7 @@
         <p:spPr>
           <a:xfrm>
             <a:off x="8536320" y="4749840"/>
-            <a:ext cx="546840" cy="391680"/>
+            <a:ext cx="545760" cy="390600"/>
           </a:xfrm>
           <a:prstGeom prst="rect">
             <a:avLst/>
@@ -11289,7 +11014,7 @@
                 <a:tab algn="l" pos="0"/>
               </a:tabLst>
             </a:pPr>
-            <a:fld id="{787ED520-888A-4775-B0CA-3133BD36A595}" type="slidenum">
+            <a:fld id="{7A77802A-9A1E-4BA7-9082-138CCB572C57}" type="slidenum">
               <a:rPr b="0" lang="fr" sz="1000" spc="-1" strike="noStrike">
                 <a:solidFill>
                   <a:schemeClr val="lt1"/>
@@ -11310,7 +11035,7 @@
       </p:sp>
       <p:sp>
         <p:nvSpPr>
-          <p:cNvPr id="58" name="PlaceHolder 2"/>
+          <p:cNvPr id="56" name="PlaceHolder 2"/>
           <p:cNvSpPr>
             <a:spLocks noGrp="1"/>
           </p:cNvSpPr>
@@ -11359,7 +11084,7 @@
       </p:sp>
       <p:sp>
         <p:nvSpPr>
-          <p:cNvPr id="59" name="PlaceHolder 3"/>
+          <p:cNvPr id="57" name="PlaceHolder 3"/>
           <p:cNvSpPr>
             <a:spLocks noGrp="1"/>
           </p:cNvSpPr>
@@ -11610,7 +11335,7 @@
       </p:grpSpPr>
       <p:sp>
         <p:nvSpPr>
-          <p:cNvPr id="150" name="PlaceHolder 1"/>
+          <p:cNvPr id="148" name="PlaceHolder 1"/>
           <p:cNvSpPr>
             <a:spLocks noGrp="1"/>
           </p:cNvSpPr>
@@ -11621,7 +11346,7 @@
         <p:spPr>
           <a:xfrm>
             <a:off x="729360" y="1322280"/>
-            <a:ext cx="7686360" cy="1662840"/>
+            <a:ext cx="7685280" cy="1661760"/>
           </a:xfrm>
           <a:prstGeom prst="rect">
             <a:avLst/>
@@ -11666,7 +11391,7 @@
       </p:sp>
       <p:sp>
         <p:nvSpPr>
-          <p:cNvPr id="151" name="PlaceHolder 2"/>
+          <p:cNvPr id="149" name="PlaceHolder 2"/>
           <p:cNvSpPr>
             <a:spLocks noGrp="1"/>
           </p:cNvSpPr>
@@ -11677,7 +11402,7 @@
         <p:spPr>
           <a:xfrm>
             <a:off x="914400" y="2202480"/>
-            <a:ext cx="7686360" cy="996480"/>
+            <a:ext cx="7685280" cy="995400"/>
           </a:xfrm>
           <a:prstGeom prst="rect">
             <a:avLst/>
@@ -11749,7 +11474,7 @@
       </p:sp>
       <p:pic>
         <p:nvPicPr>
-          <p:cNvPr id="152" name="" descr=""/>
+          <p:cNvPr id="150" name="" descr=""/>
           <p:cNvPicPr/>
           <p:nvPr/>
         </p:nvPicPr>
@@ -11760,7 +11485,7 @@
         <p:spPr>
           <a:xfrm>
             <a:off x="0" y="3429000"/>
-            <a:ext cx="9142200" cy="2770920"/>
+            <a:ext cx="9141120" cy="2769840"/>
           </a:xfrm>
           <a:prstGeom prst="rect">
             <a:avLst/>
@@ -11772,14 +11497,14 @@
       </p:pic>
       <p:sp>
         <p:nvSpPr>
-          <p:cNvPr id="153" name="Google Shape;88;p13"/>
+          <p:cNvPr id="151" name="Google Shape;88;p13"/>
           <p:cNvSpPr/>
           <p:nvPr/>
         </p:nvSpPr>
         <p:spPr>
           <a:xfrm>
             <a:off x="7772400" y="4816440"/>
-            <a:ext cx="1350000" cy="275400"/>
+            <a:ext cx="1348920" cy="275400"/>
           </a:xfrm>
           <a:prstGeom prst="rect">
             <a:avLst/>
@@ -11829,7 +11554,7 @@
       </p:sp>
       <p:pic>
         <p:nvPicPr>
-          <p:cNvPr id="154" name="" descr=""/>
+          <p:cNvPr id="152" name="" descr=""/>
           <p:cNvPicPr/>
           <p:nvPr/>
         </p:nvPicPr>
@@ -11840,7 +11565,7 @@
         <p:spPr>
           <a:xfrm>
             <a:off x="7592760" y="0"/>
-            <a:ext cx="1550880" cy="1161360"/>
+            <a:ext cx="1549800" cy="1160280"/>
           </a:xfrm>
           <a:prstGeom prst="rect">
             <a:avLst/>
@@ -11852,14 +11577,14 @@
       </p:pic>
       <p:sp>
         <p:nvSpPr>
-          <p:cNvPr id="155" name="Google Shape;88;p 7"/>
+          <p:cNvPr id="153" name="Google Shape;88;p 7"/>
           <p:cNvSpPr/>
           <p:nvPr/>
         </p:nvSpPr>
         <p:spPr>
           <a:xfrm>
             <a:off x="7772400" y="4816440"/>
-            <a:ext cx="1350000" cy="275400"/>
+            <a:ext cx="1348920" cy="275400"/>
           </a:xfrm>
           <a:prstGeom prst="rect">
             <a:avLst/>
@@ -11909,14 +11634,14 @@
       </p:sp>
       <p:sp>
         <p:nvSpPr>
-          <p:cNvPr id="156" name="Google Shape;88;p 8"/>
+          <p:cNvPr id="154" name="Google Shape;88;p 8"/>
           <p:cNvSpPr/>
           <p:nvPr/>
         </p:nvSpPr>
         <p:spPr>
           <a:xfrm>
             <a:off x="7772400" y="4816440"/>
-            <a:ext cx="1350000" cy="275400"/>
+            <a:ext cx="1348920" cy="275400"/>
           </a:xfrm>
           <a:prstGeom prst="rect">
             <a:avLst/>
@@ -11996,7 +11721,7 @@
       </p:grpSpPr>
       <p:sp>
         <p:nvSpPr>
-          <p:cNvPr id="190" name="PlaceHolder 1"/>
+          <p:cNvPr id="188" name="PlaceHolder 1"/>
           <p:cNvSpPr>
             <a:spLocks noGrp="1"/>
           </p:cNvSpPr>
@@ -12007,7 +11732,7 @@
         <p:spPr>
           <a:xfrm>
             <a:off x="729360" y="864360"/>
-            <a:ext cx="7019280" cy="2983320"/>
+            <a:ext cx="7018200" cy="2982240"/>
           </a:xfrm>
           <a:prstGeom prst="rect">
             <a:avLst/>
@@ -12052,7 +11777,7 @@
       </p:sp>
       <p:pic>
         <p:nvPicPr>
-          <p:cNvPr id="191" name="" descr=""/>
+          <p:cNvPr id="189" name="" descr=""/>
           <p:cNvPicPr/>
           <p:nvPr/>
         </p:nvPicPr>
@@ -12063,7 +11788,7 @@
         <p:spPr>
           <a:xfrm>
             <a:off x="7592040" y="360"/>
-            <a:ext cx="1550880" cy="1161360"/>
+            <a:ext cx="1549800" cy="1160280"/>
           </a:xfrm>
           <a:prstGeom prst="rect">
             <a:avLst/>
@@ -12075,14 +11800,14 @@
       </p:pic>
       <p:sp>
         <p:nvSpPr>
-          <p:cNvPr id="192" name="Google Shape;88;p 18"/>
+          <p:cNvPr id="190" name="Google Shape;88;p 18"/>
           <p:cNvSpPr/>
           <p:nvPr/>
         </p:nvSpPr>
         <p:spPr>
           <a:xfrm>
             <a:off x="7772400" y="4816440"/>
-            <a:ext cx="1350000" cy="275400"/>
+            <a:ext cx="1348920" cy="275400"/>
           </a:xfrm>
           <a:prstGeom prst="rect">
             <a:avLst/>
@@ -12162,7 +11887,7 @@
       </p:grpSpPr>
       <p:sp>
         <p:nvSpPr>
-          <p:cNvPr id="193" name="PlaceHolder 1"/>
+          <p:cNvPr id="191" name="PlaceHolder 1"/>
           <p:cNvSpPr>
             <a:spLocks noGrp="1"/>
           </p:cNvSpPr>
@@ -12173,7 +11898,7 @@
         <p:spPr>
           <a:xfrm>
             <a:off x="729360" y="1322280"/>
-            <a:ext cx="7686720" cy="1516680"/>
+            <a:ext cx="7685640" cy="1515600"/>
           </a:xfrm>
           <a:prstGeom prst="rect">
             <a:avLst/>
@@ -12218,7 +11943,7 @@
       </p:sp>
       <p:pic>
         <p:nvPicPr>
-          <p:cNvPr id="194" name="" descr=""/>
+          <p:cNvPr id="192" name="" descr=""/>
           <p:cNvPicPr/>
           <p:nvPr/>
         </p:nvPicPr>
@@ -12229,7 +11954,7 @@
         <p:spPr>
           <a:xfrm>
             <a:off x="7592040" y="360"/>
-            <a:ext cx="1550880" cy="1161360"/>
+            <a:ext cx="1549800" cy="1160280"/>
           </a:xfrm>
           <a:prstGeom prst="rect">
             <a:avLst/>
@@ -12241,14 +11966,14 @@
       </p:pic>
       <p:sp>
         <p:nvSpPr>
-          <p:cNvPr id="195" name="Google Shape;88;p 17"/>
+          <p:cNvPr id="193" name="Google Shape;88;p 17"/>
           <p:cNvSpPr/>
           <p:nvPr/>
         </p:nvSpPr>
         <p:spPr>
           <a:xfrm>
             <a:off x="7772400" y="4816440"/>
-            <a:ext cx="1350000" cy="275400"/>
+            <a:ext cx="1348920" cy="275400"/>
           </a:xfrm>
           <a:prstGeom prst="rect">
             <a:avLst/>
@@ -12328,7 +12053,7 @@
       </p:grpSpPr>
       <p:sp>
         <p:nvSpPr>
-          <p:cNvPr id="196" name="PlaceHolder 1"/>
+          <p:cNvPr id="194" name="PlaceHolder 1"/>
           <p:cNvSpPr>
             <a:spLocks noGrp="1"/>
           </p:cNvSpPr>
@@ -12339,7 +12064,7 @@
         <p:spPr>
           <a:xfrm>
             <a:off x="729360" y="1318680"/>
-            <a:ext cx="7687080" cy="533520"/>
+            <a:ext cx="7686000" cy="532440"/>
           </a:xfrm>
           <a:prstGeom prst="rect">
             <a:avLst/>
@@ -12384,7 +12109,7 @@
       </p:sp>
       <p:sp>
         <p:nvSpPr>
-          <p:cNvPr id="197" name="PlaceHolder 2"/>
+          <p:cNvPr id="195" name="PlaceHolder 2"/>
           <p:cNvSpPr>
             <a:spLocks noGrp="1"/>
           </p:cNvSpPr>
@@ -12395,7 +12120,7 @@
         <p:spPr>
           <a:xfrm>
             <a:off x="729360" y="2079000"/>
-            <a:ext cx="7687080" cy="2259360"/>
+            <a:ext cx="7686000" cy="2258280"/>
           </a:xfrm>
           <a:prstGeom prst="rect">
             <a:avLst/>
@@ -12553,7 +12278,7 @@
       </p:sp>
       <p:pic>
         <p:nvPicPr>
-          <p:cNvPr id="198" name="" descr=""/>
+          <p:cNvPr id="196" name="" descr=""/>
           <p:cNvPicPr/>
           <p:nvPr/>
         </p:nvPicPr>
@@ -12564,7 +12289,7 @@
         <p:spPr>
           <a:xfrm>
             <a:off x="7592040" y="360"/>
-            <a:ext cx="1550880" cy="1161360"/>
+            <a:ext cx="1549800" cy="1160280"/>
           </a:xfrm>
           <a:prstGeom prst="rect">
             <a:avLst/>
@@ -12576,14 +12301,14 @@
       </p:pic>
       <p:sp>
         <p:nvSpPr>
-          <p:cNvPr id="199" name="Google Shape;88;p 16"/>
+          <p:cNvPr id="197" name="Google Shape;88;p 16"/>
           <p:cNvSpPr/>
           <p:nvPr/>
         </p:nvSpPr>
         <p:spPr>
           <a:xfrm>
             <a:off x="7772400" y="4816440"/>
-            <a:ext cx="1350000" cy="275400"/>
+            <a:ext cx="1348920" cy="275400"/>
           </a:xfrm>
           <a:prstGeom prst="rect">
             <a:avLst/>
@@ -12663,7 +12388,7 @@
       </p:grpSpPr>
       <p:sp>
         <p:nvSpPr>
-          <p:cNvPr id="200" name="PlaceHolder 1"/>
+          <p:cNvPr id="198" name="PlaceHolder 1"/>
           <p:cNvSpPr>
             <a:spLocks noGrp="1"/>
           </p:cNvSpPr>
@@ -12674,7 +12399,7 @@
         <p:spPr>
           <a:xfrm>
             <a:off x="729360" y="1318680"/>
-            <a:ext cx="7687080" cy="533520"/>
+            <a:ext cx="7686000" cy="532440"/>
           </a:xfrm>
           <a:prstGeom prst="rect">
             <a:avLst/>
@@ -12719,7 +12444,7 @@
       </p:sp>
       <p:sp>
         <p:nvSpPr>
-          <p:cNvPr id="201" name="PlaceHolder 2"/>
+          <p:cNvPr id="199" name="PlaceHolder 2"/>
           <p:cNvSpPr>
             <a:spLocks noGrp="1"/>
           </p:cNvSpPr>
@@ -12730,7 +12455,7 @@
         <p:spPr>
           <a:xfrm>
             <a:off x="729360" y="2079000"/>
-            <a:ext cx="7687080" cy="2725920"/>
+            <a:ext cx="7686000" cy="2724840"/>
           </a:xfrm>
           <a:prstGeom prst="rect">
             <a:avLst/>
@@ -12998,7 +12723,7 @@
       </p:sp>
       <p:pic>
         <p:nvPicPr>
-          <p:cNvPr id="202" name="" descr=""/>
+          <p:cNvPr id="200" name="" descr=""/>
           <p:cNvPicPr/>
           <p:nvPr/>
         </p:nvPicPr>
@@ -13009,7 +12734,7 @@
         <p:spPr>
           <a:xfrm>
             <a:off x="7592040" y="360"/>
-            <a:ext cx="1550880" cy="1161360"/>
+            <a:ext cx="1549800" cy="1160280"/>
           </a:xfrm>
           <a:prstGeom prst="rect">
             <a:avLst/>
@@ -13021,14 +12746,14 @@
       </p:pic>
       <p:sp>
         <p:nvSpPr>
-          <p:cNvPr id="203" name="Google Shape;88;p 15"/>
+          <p:cNvPr id="201" name="Google Shape;88;p 15"/>
           <p:cNvSpPr/>
           <p:nvPr/>
         </p:nvSpPr>
         <p:spPr>
           <a:xfrm>
             <a:off x="7772400" y="4816440"/>
-            <a:ext cx="1350000" cy="275400"/>
+            <a:ext cx="1348920" cy="275400"/>
           </a:xfrm>
           <a:prstGeom prst="rect">
             <a:avLst/>
@@ -13108,7 +12833,7 @@
       </p:grpSpPr>
       <p:sp>
         <p:nvSpPr>
-          <p:cNvPr id="204" name="PlaceHolder 1"/>
+          <p:cNvPr id="202" name="PlaceHolder 1"/>
           <p:cNvSpPr>
             <a:spLocks noGrp="1"/>
           </p:cNvSpPr>
@@ -13119,7 +12844,7 @@
         <p:spPr>
           <a:xfrm>
             <a:off x="729360" y="1318680"/>
-            <a:ext cx="7687080" cy="533520"/>
+            <a:ext cx="7686000" cy="532440"/>
           </a:xfrm>
           <a:prstGeom prst="rect">
             <a:avLst/>
@@ -13164,7 +12889,7 @@
       </p:sp>
       <p:sp>
         <p:nvSpPr>
-          <p:cNvPr id="205" name="PlaceHolder 2"/>
+          <p:cNvPr id="203" name="PlaceHolder 2"/>
           <p:cNvSpPr>
             <a:spLocks noGrp="1"/>
           </p:cNvSpPr>
@@ -13175,7 +12900,7 @@
         <p:spPr>
           <a:xfrm>
             <a:off x="729360" y="2079000"/>
-            <a:ext cx="7687080" cy="2259360"/>
+            <a:ext cx="7686000" cy="2258280"/>
           </a:xfrm>
           <a:prstGeom prst="rect">
             <a:avLst/>
@@ -13343,7 +13068,7 @@
       </p:sp>
       <p:pic>
         <p:nvPicPr>
-          <p:cNvPr id="206" name="" descr=""/>
+          <p:cNvPr id="204" name="" descr=""/>
           <p:cNvPicPr/>
           <p:nvPr/>
         </p:nvPicPr>
@@ -13354,7 +13079,7 @@
         <p:spPr>
           <a:xfrm>
             <a:off x="7592040" y="360"/>
-            <a:ext cx="1550880" cy="1161360"/>
+            <a:ext cx="1549800" cy="1160280"/>
           </a:xfrm>
           <a:prstGeom prst="rect">
             <a:avLst/>
@@ -13366,14 +13091,14 @@
       </p:pic>
       <p:sp>
         <p:nvSpPr>
-          <p:cNvPr id="207" name="Google Shape;88;p 14"/>
+          <p:cNvPr id="205" name="Google Shape;88;p 14"/>
           <p:cNvSpPr/>
           <p:nvPr/>
         </p:nvSpPr>
         <p:spPr>
           <a:xfrm>
             <a:off x="7772400" y="4816440"/>
-            <a:ext cx="1350000" cy="275400"/>
+            <a:ext cx="1348920" cy="275400"/>
           </a:xfrm>
           <a:prstGeom prst="rect">
             <a:avLst/>
@@ -13453,7 +13178,7 @@
       </p:grpSpPr>
       <p:sp>
         <p:nvSpPr>
-          <p:cNvPr id="208" name="PlaceHolder 1"/>
+          <p:cNvPr id="206" name="PlaceHolder 1"/>
           <p:cNvSpPr>
             <a:spLocks noGrp="1"/>
           </p:cNvSpPr>
@@ -13464,7 +13189,7 @@
         <p:spPr>
           <a:xfrm>
             <a:off x="729360" y="1318680"/>
-            <a:ext cx="7687080" cy="533520"/>
+            <a:ext cx="7686000" cy="532440"/>
           </a:xfrm>
           <a:prstGeom prst="rect">
             <a:avLst/>
@@ -13526,7 +13251,7 @@
       </p:sp>
       <p:sp>
         <p:nvSpPr>
-          <p:cNvPr id="209" name="PlaceHolder 2"/>
+          <p:cNvPr id="207" name="PlaceHolder 2"/>
           <p:cNvSpPr>
             <a:spLocks noGrp="1"/>
           </p:cNvSpPr>
@@ -13537,7 +13262,7 @@
         <p:spPr>
           <a:xfrm>
             <a:off x="729360" y="2079000"/>
-            <a:ext cx="7687080" cy="2259360"/>
+            <a:ext cx="7686000" cy="2258280"/>
           </a:xfrm>
           <a:prstGeom prst="rect">
             <a:avLst/>
@@ -13695,7 +13420,7 @@
       </p:sp>
       <p:pic>
         <p:nvPicPr>
-          <p:cNvPr id="210" name="" descr=""/>
+          <p:cNvPr id="208" name="" descr=""/>
           <p:cNvPicPr/>
           <p:nvPr/>
         </p:nvPicPr>
@@ -13706,7 +13431,7 @@
         <p:spPr>
           <a:xfrm>
             <a:off x="7592040" y="360"/>
-            <a:ext cx="1550880" cy="1161360"/>
+            <a:ext cx="1549800" cy="1160280"/>
           </a:xfrm>
           <a:prstGeom prst="rect">
             <a:avLst/>
@@ -13718,14 +13443,14 @@
       </p:pic>
       <p:sp>
         <p:nvSpPr>
-          <p:cNvPr id="211" name="Google Shape;88;p 13"/>
+          <p:cNvPr id="209" name="Google Shape;88;p 13"/>
           <p:cNvSpPr/>
           <p:nvPr/>
         </p:nvSpPr>
         <p:spPr>
           <a:xfrm>
             <a:off x="7772400" y="4816440"/>
-            <a:ext cx="1350000" cy="275400"/>
+            <a:ext cx="1348920" cy="275400"/>
           </a:xfrm>
           <a:prstGeom prst="rect">
             <a:avLst/>
@@ -13805,7 +13530,7 @@
       </p:grpSpPr>
       <p:sp>
         <p:nvSpPr>
-          <p:cNvPr id="212" name="PlaceHolder 1"/>
+          <p:cNvPr id="210" name="PlaceHolder 1"/>
           <p:cNvSpPr>
             <a:spLocks noGrp="1"/>
           </p:cNvSpPr>
@@ -13816,7 +13541,7 @@
         <p:spPr>
           <a:xfrm>
             <a:off x="729360" y="1318680"/>
-            <a:ext cx="7687080" cy="533520"/>
+            <a:ext cx="7686000" cy="532440"/>
           </a:xfrm>
           <a:prstGeom prst="rect">
             <a:avLst/>
@@ -13878,7 +13603,7 @@
       </p:sp>
       <p:sp>
         <p:nvSpPr>
-          <p:cNvPr id="213" name="PlaceHolder 2"/>
+          <p:cNvPr id="211" name="PlaceHolder 2"/>
           <p:cNvSpPr>
             <a:spLocks noGrp="1"/>
           </p:cNvSpPr>
@@ -13889,7 +13614,7 @@
         <p:spPr>
           <a:xfrm>
             <a:off x="729360" y="2079000"/>
-            <a:ext cx="7687080" cy="2646360"/>
+            <a:ext cx="7686000" cy="2645280"/>
           </a:xfrm>
           <a:prstGeom prst="rect">
             <a:avLst/>
@@ -14077,7 +13802,7 @@
       </p:sp>
       <p:pic>
         <p:nvPicPr>
-          <p:cNvPr id="214" name="" descr=""/>
+          <p:cNvPr id="212" name="" descr=""/>
           <p:cNvPicPr/>
           <p:nvPr/>
         </p:nvPicPr>
@@ -14088,7 +13813,7 @@
         <p:spPr>
           <a:xfrm>
             <a:off x="7592040" y="360"/>
-            <a:ext cx="1550880" cy="1161360"/>
+            <a:ext cx="1549800" cy="1160280"/>
           </a:xfrm>
           <a:prstGeom prst="rect">
             <a:avLst/>
@@ -14100,14 +13825,14 @@
       </p:pic>
       <p:sp>
         <p:nvSpPr>
-          <p:cNvPr id="215" name="Google Shape;88;p 12"/>
+          <p:cNvPr id="213" name="Google Shape;88;p 12"/>
           <p:cNvSpPr/>
           <p:nvPr/>
         </p:nvSpPr>
         <p:spPr>
           <a:xfrm>
             <a:off x="7772400" y="4816440"/>
-            <a:ext cx="1350000" cy="275400"/>
+            <a:ext cx="1348920" cy="275400"/>
           </a:xfrm>
           <a:prstGeom prst="rect">
             <a:avLst/>
@@ -14187,7 +13912,7 @@
       </p:grpSpPr>
       <p:sp>
         <p:nvSpPr>
-          <p:cNvPr id="216" name="PlaceHolder 1"/>
+          <p:cNvPr id="214" name="PlaceHolder 1"/>
           <p:cNvSpPr>
             <a:spLocks noGrp="1"/>
           </p:cNvSpPr>
@@ -14198,7 +13923,7 @@
         <p:spPr>
           <a:xfrm>
             <a:off x="729360" y="1318680"/>
-            <a:ext cx="7687080" cy="533520"/>
+            <a:ext cx="7686000" cy="532440"/>
           </a:xfrm>
           <a:prstGeom prst="rect">
             <a:avLst/>
@@ -14230,7 +13955,7 @@
                 <a:latin typeface="Raleway"/>
                 <a:ea typeface="Raleway"/>
               </a:rPr>
-              <a:t>Embedding</a:t>
+              <a:t>Embedding :</a:t>
             </a:r>
             <a:endParaRPr b="0" lang="en-US" sz="2600" spc="-1" strike="noStrike">
               <a:solidFill>
@@ -14243,7 +13968,7 @@
       </p:sp>
       <p:sp>
         <p:nvSpPr>
-          <p:cNvPr id="217" name="PlaceHolder 2"/>
+          <p:cNvPr id="215" name="PlaceHolder 2"/>
           <p:cNvSpPr>
             <a:spLocks noGrp="1"/>
           </p:cNvSpPr>
@@ -14254,7 +13979,7 @@
         <p:spPr>
           <a:xfrm>
             <a:off x="729360" y="2079000"/>
-            <a:ext cx="7687080" cy="2639880"/>
+            <a:ext cx="7686000" cy="2638800"/>
           </a:xfrm>
           <a:prstGeom prst="rect">
             <a:avLst/>
@@ -14266,7 +13991,7 @@
         </p:spPr>
         <p:txBody>
           <a:bodyPr lIns="91440" rIns="91440" tIns="91440" bIns="91440" anchor="t">
-            <a:normAutofit fontScale="75000" lnSpcReduction="10000"/>
+            <a:normAutofit fontScale="75000" lnSpcReduction="20000"/>
           </a:bodyPr>
           <a:p>
             <a:pPr indent="0" algn="just">
@@ -14279,14 +14004,88 @@
               </a:tabLst>
             </a:pPr>
             <a:r>
-              <a:rPr b="0" lang="fr" sz="1300" spc="-1" strike="noStrike">
+              <a:rPr b="1" lang="fr" sz="1300" spc="-1" strike="noStrike">
                 <a:solidFill>
                   <a:schemeClr val="accent1"/>
                 </a:solidFill>
                 <a:latin typeface="Lato"/>
                 <a:ea typeface="Lato"/>
               </a:rPr>
-              <a:t>Embedding is a technique used in natural language processing (NLP) to represent words, phrases, or documents as dense, low-dimensional vectors in a continuous vector space. These vectors capture the semantic meaning of the words and are useful for a wide range of NLP tasks, such as text classification, language translation, and information retrieval.</a:t>
+              <a:t>Embedding</a:t>
+            </a:r>
+            <a:r>
+              <a:rPr b="0" lang="fr" sz="1300" spc="-1" strike="noStrike">
+                <a:solidFill>
+                  <a:schemeClr val="accent1"/>
+                </a:solidFill>
+                <a:latin typeface="Lato"/>
+                <a:ea typeface="Lato"/>
+              </a:rPr>
+              <a:t> is a technique used in natural language processing (NLP) to represent words, phrases, or documents as dense, low-dimensional vectors in a continuous vector space. </a:t>
+            </a:r>
+            <a:endParaRPr b="0" lang="en-US" sz="1300" spc="-1" strike="noStrike">
+              <a:solidFill>
+                <a:srgbClr val="000000"/>
+              </a:solidFill>
+              <a:latin typeface="Arial"/>
+            </a:endParaRPr>
+          </a:p>
+          <a:p>
+            <a:pPr indent="0" algn="just">
+              <a:lnSpc>
+                <a:spcPct val="115000"/>
+              </a:lnSpc>
+              <a:buNone/>
+              <a:tabLst>
+                <a:tab algn="l" pos="0"/>
+              </a:tabLst>
+            </a:pPr>
+            <a:endParaRPr b="0" lang="en-US" sz="1300" spc="-1" strike="noStrike">
+              <a:solidFill>
+                <a:srgbClr val="000000"/>
+              </a:solidFill>
+              <a:latin typeface="Arial"/>
+            </a:endParaRPr>
+          </a:p>
+          <a:p>
+            <a:pPr indent="0" algn="just">
+              <a:lnSpc>
+                <a:spcPct val="115000"/>
+              </a:lnSpc>
+              <a:buNone/>
+              <a:tabLst>
+                <a:tab algn="l" pos="0"/>
+              </a:tabLst>
+            </a:pPr>
+            <a:r>
+              <a:rPr b="0" lang="fr" sz="1300" spc="-1" strike="noStrike">
+                <a:solidFill>
+                  <a:schemeClr val="accent1"/>
+                </a:solidFill>
+                <a:latin typeface="Lato"/>
+                <a:ea typeface="Lato"/>
+              </a:rPr>
+              <a:t>These vectors </a:t>
+            </a:r>
+            <a:r>
+              <a:rPr b="1" lang="fr" sz="1300" spc="-1" strike="noStrike">
+                <a:solidFill>
+                  <a:schemeClr val="accent1"/>
+                </a:solidFill>
+                <a:latin typeface="Lato"/>
+                <a:ea typeface="Lato"/>
+              </a:rPr>
+              <a:t>capture the semantic meaning</a:t>
+            </a:r>
+            <a:r>
+              <a:rPr b="0" lang="fr" sz="1300" spc="-1" strike="noStrike">
+                <a:solidFill>
+                  <a:schemeClr val="accent1"/>
+                </a:solidFill>
+                <a:latin typeface="Lato"/>
+                <a:ea typeface="Lato"/>
+              </a:rPr>
+              <a:t> of the words and are useful for a wide range of NLP tasks, such as text classification, language translation, and information retrieval.</a:t>
             </a:r>
             <a:endParaRPr b="0" lang="en-US" sz="1300" spc="-1" strike="noStrike">
               <a:solidFill>
@@ -14336,7 +14135,47 @@
                 <a:latin typeface="Lato"/>
                 <a:ea typeface="Lato"/>
               </a:rPr>
-              <a:t>Embedding methods can be broadly divided into two categories: frequency-based methods, such as word count or term frequency-inverse document frequency (TF-IDF), and prediction-based methods, such as word2vec and GloVe. The latter methods learn the embeddings by training a model to predict the surrounding context of a word, while the former methods rely on the statistics of word co-occurrence in a corpus of text.</a:t>
+              <a:t>Embedding methods can be broadly divided into two categories: </a:t>
+            </a:r>
+            <a:r>
+              <a:rPr b="1" lang="fr" sz="1300" spc="-1" strike="noStrike">
+                <a:solidFill>
+                  <a:schemeClr val="accent1"/>
+                </a:solidFill>
+                <a:latin typeface="Lato"/>
+                <a:ea typeface="Lato"/>
+              </a:rPr>
+              <a:t>frequency-based methods</a:t>
+            </a:r>
+            <a:r>
+              <a:rPr b="0" lang="fr" sz="1300" spc="-1" strike="noStrike">
+                <a:solidFill>
+                  <a:schemeClr val="accent1"/>
+                </a:solidFill>
+                <a:latin typeface="Lato"/>
+                <a:ea typeface="Lato"/>
+              </a:rPr>
+              <a:t>, such as word count or term frequency-inverse document frequency (TF-IDF), and </a:t>
+            </a:r>
+            <a:r>
+              <a:rPr b="1" lang="fr" sz="1300" spc="-1" strike="noStrike">
+                <a:solidFill>
+                  <a:schemeClr val="accent1"/>
+                </a:solidFill>
+                <a:latin typeface="Lato"/>
+                <a:ea typeface="Lato"/>
+              </a:rPr>
+              <a:t>prediction-based methods</a:t>
+            </a:r>
+            <a:r>
+              <a:rPr b="0" lang="fr" sz="1300" spc="-1" strike="noStrike">
+                <a:solidFill>
+                  <a:schemeClr val="accent1"/>
+                </a:solidFill>
+                <a:latin typeface="Lato"/>
+                <a:ea typeface="Lato"/>
+              </a:rPr>
+              <a:t>, such as word2vec and GloVe. The latter methods learn the embeddings by training a model to predict the surrounding context of a word, while the former methods rely on the statistics of word co-occurrence in a corpus of text.</a:t>
             </a:r>
             <a:endParaRPr b="0" lang="en-US" sz="1300" spc="-1" strike="noStrike">
               <a:solidFill>
@@ -14389,7 +14228,27 @@
                 <a:latin typeface="Lato"/>
                 <a:ea typeface="Lato"/>
               </a:rPr>
-              <a:t>Therefore, the term embedding is a technique used in the field of text processing and more specifically in the NLP area to represent natural language in a numerical format that machine learning models can work with.</a:t>
+              <a:t>Therefore, the term embedding is a technique used in the field of text processing and more specifically in the NLP area to </a:t>
+            </a:r>
+            <a:r>
+              <a:rPr b="1" lang="fr" sz="1300" spc="-1" strike="noStrike">
+                <a:solidFill>
+                  <a:schemeClr val="accent1"/>
+                </a:solidFill>
+                <a:latin typeface="Lato"/>
+                <a:ea typeface="Lato"/>
+              </a:rPr>
+              <a:t>represent natural language in a numerical format that machine learning models can work with</a:t>
+            </a:r>
+            <a:r>
+              <a:rPr b="0" lang="fr" sz="1300" spc="-1" strike="noStrike">
+                <a:solidFill>
+                  <a:schemeClr val="accent1"/>
+                </a:solidFill>
+                <a:latin typeface="Lato"/>
+                <a:ea typeface="Lato"/>
+              </a:rPr>
+              <a:t>.</a:t>
             </a:r>
             <a:endParaRPr b="0" lang="en-US" sz="1300" spc="-1" strike="noStrike">
               <a:solidFill>
@@ -14402,7 +14261,7 @@
       </p:sp>
       <p:pic>
         <p:nvPicPr>
-          <p:cNvPr id="218" name="" descr=""/>
+          <p:cNvPr id="216" name="" descr=""/>
           <p:cNvPicPr/>
           <p:nvPr/>
         </p:nvPicPr>
@@ -14413,7 +14272,7 @@
         <p:spPr>
           <a:xfrm>
             <a:off x="7592040" y="360"/>
-            <a:ext cx="1550880" cy="1161360"/>
+            <a:ext cx="1549800" cy="1160280"/>
           </a:xfrm>
           <a:prstGeom prst="rect">
             <a:avLst/>
@@ -14425,14 +14284,14 @@
       </p:pic>
       <p:sp>
         <p:nvSpPr>
-          <p:cNvPr id="219" name="Google Shape;88;p 11"/>
+          <p:cNvPr id="217" name="Google Shape;88;p 11"/>
           <p:cNvSpPr/>
           <p:nvPr/>
         </p:nvSpPr>
         <p:spPr>
           <a:xfrm>
             <a:off x="7772400" y="4816440"/>
-            <a:ext cx="1350000" cy="275400"/>
+            <a:ext cx="1348920" cy="275400"/>
           </a:xfrm>
           <a:prstGeom prst="rect">
             <a:avLst/>
@@ -14512,305 +14371,7 @@
       </p:grpSpPr>
       <p:sp>
         <p:nvSpPr>
-          <p:cNvPr id="220" name="PlaceHolder 1"/>
-          <p:cNvSpPr>
-            <a:spLocks noGrp="1"/>
-          </p:cNvSpPr>
-          <p:nvPr>
-            <p:ph type="title"/>
-          </p:nvPr>
-        </p:nvSpPr>
-        <p:spPr>
-          <a:xfrm>
-            <a:off x="730080" y="1318680"/>
-            <a:ext cx="3299040" cy="1379880"/>
-          </a:xfrm>
-          <a:prstGeom prst="rect">
-            <a:avLst/>
-          </a:prstGeom>
-          <a:noFill/>
-          <a:ln w="0">
-            <a:noFill/>
-          </a:ln>
-        </p:spPr>
-        <p:txBody>
-          <a:bodyPr lIns="91440" rIns="91440" tIns="91440" bIns="91440" anchor="t">
-            <a:normAutofit/>
-          </a:bodyPr>
-          <a:p>
-            <a:pPr indent="0">
-              <a:lnSpc>
-                <a:spcPct val="100000"/>
-              </a:lnSpc>
-              <a:buNone/>
-              <a:tabLst>
-                <a:tab algn="l" pos="0"/>
-              </a:tabLst>
-            </a:pPr>
-            <a:r>
-              <a:rPr b="1" lang="fr" sz="2600" spc="-1" strike="noStrike">
-                <a:solidFill>
-                  <a:schemeClr val="dk2"/>
-                </a:solidFill>
-                <a:latin typeface="Raleway"/>
-                <a:ea typeface="Raleway"/>
-              </a:rPr>
-              <a:t>Word2vec</a:t>
-            </a:r>
-            <a:endParaRPr b="0" lang="en-US" sz="2600" spc="-1" strike="noStrike">
-              <a:solidFill>
-                <a:srgbClr val="000000"/>
-              </a:solidFill>
-              <a:latin typeface="Arial"/>
-            </a:endParaRPr>
-          </a:p>
-        </p:txBody>
-      </p:sp>
-      <p:sp>
-        <p:nvSpPr>
-          <p:cNvPr id="221" name="PlaceHolder 2"/>
-          <p:cNvSpPr>
-            <a:spLocks noGrp="1"/>
-          </p:cNvSpPr>
-          <p:nvPr>
-            <p:ph/>
-          </p:nvPr>
-        </p:nvSpPr>
-        <p:spPr>
-          <a:xfrm>
-            <a:off x="721080" y="2781720"/>
-            <a:ext cx="3504240" cy="1595880"/>
-          </a:xfrm>
-          <a:prstGeom prst="rect">
-            <a:avLst/>
-          </a:prstGeom>
-          <a:noFill/>
-          <a:ln w="0">
-            <a:noFill/>
-          </a:ln>
-        </p:spPr>
-        <p:txBody>
-          <a:bodyPr lIns="91440" rIns="91440" tIns="91440" bIns="91440" anchor="t">
-            <a:normAutofit fontScale="93333" lnSpcReduction="10000"/>
-          </a:bodyPr>
-          <a:p>
-            <a:pPr indent="0" algn="just">
-              <a:lnSpc>
-                <a:spcPct val="115000"/>
-              </a:lnSpc>
-              <a:spcAft>
-                <a:spcPts val="1199"/>
-              </a:spcAft>
-              <a:buNone/>
-              <a:tabLst>
-                <a:tab algn="l" pos="0"/>
-              </a:tabLst>
-            </a:pPr>
-            <a:r>
-              <a:rPr b="1" lang="fr" sz="1300" spc="-1" strike="noStrike">
-                <a:solidFill>
-                  <a:schemeClr val="accent1"/>
-                </a:solidFill>
-                <a:latin typeface="Lato"/>
-                <a:ea typeface="Lato"/>
-              </a:rPr>
-              <a:t>Word2Vec</a:t>
-            </a:r>
-            <a:r>
-              <a:rPr b="0" lang="fr" sz="1300" spc="-1" strike="noStrike">
-                <a:solidFill>
-                  <a:schemeClr val="accent1"/>
-                </a:solidFill>
-                <a:latin typeface="Lato"/>
-                <a:ea typeface="Lato"/>
-              </a:rPr>
-              <a:t> is a technique for creating dense, numerical representations of words, also called </a:t>
-            </a:r>
-            <a:r>
-              <a:rPr b="1" lang="fr" sz="1300" spc="-1" strike="noStrike">
-                <a:solidFill>
-                  <a:schemeClr val="accent1"/>
-                </a:solidFill>
-                <a:latin typeface="Lato"/>
-                <a:ea typeface="Lato"/>
-              </a:rPr>
-              <a:t>"word embeddings.</a:t>
-            </a:r>
-            <a:r>
-              <a:rPr b="0" lang="fr" sz="1300" spc="-1" strike="noStrike">
-                <a:solidFill>
-                  <a:schemeClr val="accent1"/>
-                </a:solidFill>
-                <a:latin typeface="Lato"/>
-                <a:ea typeface="Lato"/>
-              </a:rPr>
-              <a:t>" These embeddings capture the meaning and context of a word in a continuous, multi-dimensional space. Word2Vec is trained using </a:t>
-            </a:r>
-            <a:r>
-              <a:rPr b="1" lang="fr" sz="1300" spc="-1" strike="noStrike">
-                <a:solidFill>
-                  <a:schemeClr val="accent1"/>
-                </a:solidFill>
-                <a:latin typeface="Lato"/>
-                <a:ea typeface="Lato"/>
-              </a:rPr>
-              <a:t>neural networks</a:t>
-            </a:r>
-            <a:r>
-              <a:rPr b="0" lang="fr" sz="1300" spc="-1" strike="noStrike">
-                <a:solidFill>
-                  <a:schemeClr val="accent1"/>
-                </a:solidFill>
-                <a:latin typeface="Lato"/>
-                <a:ea typeface="Lato"/>
-              </a:rPr>
-              <a:t> on large corpora of text.</a:t>
-            </a:r>
-            <a:endParaRPr b="0" lang="en-US" sz="1300" spc="-1" strike="noStrike">
-              <a:solidFill>
-                <a:srgbClr val="000000"/>
-              </a:solidFill>
-              <a:latin typeface="Arial"/>
-            </a:endParaRPr>
-          </a:p>
-        </p:txBody>
-      </p:sp>
-      <p:pic>
-        <p:nvPicPr>
-          <p:cNvPr id="222" name="Google Shape;181;p28" descr=""/>
-          <p:cNvPicPr/>
-          <p:nvPr/>
-        </p:nvPicPr>
-        <p:blipFill>
-          <a:blip r:embed="rId1"/>
-          <a:stretch/>
-        </p:blipFill>
-        <p:spPr>
-          <a:xfrm>
-            <a:off x="4227480" y="1960560"/>
-            <a:ext cx="4734000" cy="2475000"/>
-          </a:xfrm>
-          <a:prstGeom prst="rect">
-            <a:avLst/>
-          </a:prstGeom>
-          <a:ln w="0">
-            <a:noFill/>
-          </a:ln>
-        </p:spPr>
-      </p:pic>
-      <p:pic>
-        <p:nvPicPr>
-          <p:cNvPr id="223" name="" descr=""/>
-          <p:cNvPicPr/>
-          <p:nvPr/>
-        </p:nvPicPr>
-        <p:blipFill>
-          <a:blip r:embed="rId2"/>
-          <a:stretch/>
-        </p:blipFill>
-        <p:spPr>
-          <a:xfrm>
-            <a:off x="7592040" y="360"/>
-            <a:ext cx="1550880" cy="1161360"/>
-          </a:xfrm>
-          <a:prstGeom prst="rect">
-            <a:avLst/>
-          </a:prstGeom>
-          <a:ln w="0">
-            <a:noFill/>
-          </a:ln>
-        </p:spPr>
-      </p:pic>
-      <p:sp>
-        <p:nvSpPr>
-          <p:cNvPr id="224" name="Google Shape;88;p 10"/>
-          <p:cNvSpPr/>
-          <p:nvPr/>
-        </p:nvSpPr>
-        <p:spPr>
-          <a:xfrm>
-            <a:off x="7772400" y="4816440"/>
-            <a:ext cx="1350000" cy="275400"/>
-          </a:xfrm>
-          <a:prstGeom prst="rect">
-            <a:avLst/>
-          </a:prstGeom>
-          <a:noFill/>
-          <a:ln w="0">
-            <a:noFill/>
-          </a:ln>
-        </p:spPr>
-        <p:style>
-          <a:lnRef idx="0"/>
-          <a:fillRef idx="0"/>
-          <a:effectRef idx="0"/>
-          <a:fontRef idx="minor"/>
-        </p:style>
-        <p:txBody>
-          <a:bodyPr lIns="90000" rIns="90000" tIns="69120" bIns="69120" anchor="t">
-            <a:spAutoFit/>
-          </a:bodyPr>
-          <a:p>
-            <a:pPr>
-              <a:lnSpc>
-                <a:spcPct val="100000"/>
-              </a:lnSpc>
-              <a:tabLst>
-                <a:tab algn="l" pos="0"/>
-              </a:tabLst>
-            </a:pPr>
-            <a:r>
-              <a:rPr b="1" lang="fr" sz="900" spc="-1" strike="noStrike">
-                <a:solidFill>
-                  <a:srgbClr val="000000"/>
-                </a:solidFill>
-                <a:latin typeface="Lato"/>
-                <a:ea typeface="Lato"/>
-              </a:rPr>
-              <a:t>Alexandre Gazagnes</a:t>
-            </a:r>
-            <a:endParaRPr b="0" lang="en-US" sz="900" spc="-1" strike="noStrike">
-              <a:solidFill>
-                <a:srgbClr val="000000"/>
-              </a:solidFill>
-              <a:latin typeface="Arial"/>
-            </a:endParaRPr>
-          </a:p>
-        </p:txBody>
-      </p:sp>
-    </p:spTree>
-  </p:cSld>
-  <mc:AlternateContent>
-    <mc:Choice Requires="p14">
-      <p:transition spd="slow" p14:dur="2000"/>
-    </mc:Choice>
-    <mc:Fallback>
-      <p:transition spd="slow"/>
-    </mc:Fallback>
-  </mc:AlternateContent>
-</p:sld>
-</file>
-
-<file path=ppt/slides/slide19.xml><?xml version="1.0" encoding="utf-8"?>
-<p:sld xmlns:a="http://schemas.openxmlformats.org/drawingml/2006/main" xmlns:p="http://schemas.openxmlformats.org/presentationml/2006/main" xmlns:r="http://schemas.openxmlformats.org/officeDocument/2006/relationships" xmlns:p14="http://schemas.microsoft.com/office/powerpoint/2010/main" xmlns:p15="http://schemas.microsoft.com/office/powerpoint/2012/main" xmlns:mc="http://schemas.openxmlformats.org/markup-compatibility/2006">
-  <p:cSld>
-    <p:spTree>
-      <p:nvGrpSpPr>
-        <p:cNvPr id="1" name=""/>
-        <p:cNvGrpSpPr/>
-        <p:nvPr/>
-      </p:nvGrpSpPr>
-      <p:grpSpPr>
-        <a:xfrm>
-          <a:off x="0" y="0"/>
-          <a:ext cx="0" cy="0"/>
-          <a:chOff x="0" y="0"/>
-          <a:chExt cx="0" cy="0"/>
-        </a:xfrm>
-      </p:grpSpPr>
-      <p:sp>
-        <p:nvSpPr>
-          <p:cNvPr id="225" name="PlaceHolder 1"/>
+          <p:cNvPr id="218" name="PlaceHolder 1"/>
           <p:cNvSpPr>
             <a:spLocks noGrp="1"/>
           </p:cNvSpPr>
@@ -14821,7 +14382,7 @@
         <p:spPr>
           <a:xfrm>
             <a:off x="729360" y="864360"/>
-            <a:ext cx="7019280" cy="2983320"/>
+            <a:ext cx="7018200" cy="2982240"/>
           </a:xfrm>
           <a:prstGeom prst="rect">
             <a:avLst/>
@@ -14866,7 +14427,7 @@
       </p:sp>
       <p:pic>
         <p:nvPicPr>
-          <p:cNvPr id="226" name="" descr=""/>
+          <p:cNvPr id="219" name="" descr=""/>
           <p:cNvPicPr/>
           <p:nvPr/>
         </p:nvPicPr>
@@ -14877,7 +14438,7 @@
         <p:spPr>
           <a:xfrm>
             <a:off x="7592040" y="360"/>
-            <a:ext cx="1550880" cy="1161360"/>
+            <a:ext cx="1549800" cy="1160280"/>
           </a:xfrm>
           <a:prstGeom prst="rect">
             <a:avLst/>
@@ -14889,14 +14450,14 @@
       </p:pic>
       <p:sp>
         <p:nvSpPr>
-          <p:cNvPr id="227" name="Google Shape;88;p 9"/>
+          <p:cNvPr id="220" name="Google Shape;88;p 9"/>
           <p:cNvSpPr/>
           <p:nvPr/>
         </p:nvSpPr>
         <p:spPr>
           <a:xfrm>
             <a:off x="7772400" y="4816440"/>
-            <a:ext cx="1350000" cy="275400"/>
+            <a:ext cx="1348920" cy="275400"/>
           </a:xfrm>
           <a:prstGeom prst="rect">
             <a:avLst/>
@@ -14976,7 +14537,7 @@
       </p:grpSpPr>
       <p:sp>
         <p:nvSpPr>
-          <p:cNvPr id="157" name="PlaceHolder 1"/>
+          <p:cNvPr id="155" name="PlaceHolder 1"/>
           <p:cNvSpPr>
             <a:spLocks noGrp="1"/>
           </p:cNvSpPr>
@@ -14987,7 +14548,7 @@
         <p:spPr>
           <a:xfrm>
             <a:off x="729360" y="1354680"/>
-            <a:ext cx="7687080" cy="533520"/>
+            <a:ext cx="7686000" cy="532440"/>
           </a:xfrm>
           <a:prstGeom prst="rect">
             <a:avLst/>
@@ -15032,7 +14593,7 @@
       </p:sp>
       <p:sp>
         <p:nvSpPr>
-          <p:cNvPr id="158" name="PlaceHolder 2"/>
+          <p:cNvPr id="156" name="PlaceHolder 2"/>
           <p:cNvSpPr>
             <a:spLocks noGrp="1"/>
           </p:cNvSpPr>
@@ -15043,7 +14604,7 @@
         <p:spPr>
           <a:xfrm>
             <a:off x="729360" y="1828800"/>
-            <a:ext cx="7687080" cy="2970360"/>
+            <a:ext cx="7686000" cy="2969280"/>
           </a:xfrm>
           <a:prstGeom prst="rect">
             <a:avLst/>
@@ -15351,7 +14912,7 @@
       </p:sp>
       <p:pic>
         <p:nvPicPr>
-          <p:cNvPr id="159" name="" descr=""/>
+          <p:cNvPr id="157" name="" descr=""/>
           <p:cNvPicPr/>
           <p:nvPr/>
         </p:nvPicPr>
@@ -15362,7 +14923,7 @@
         <p:spPr>
           <a:xfrm>
             <a:off x="7591680" y="0"/>
-            <a:ext cx="1550880" cy="1161360"/>
+            <a:ext cx="1549800" cy="1160280"/>
           </a:xfrm>
           <a:prstGeom prst="rect">
             <a:avLst/>
@@ -15374,14 +14935,14 @@
       </p:pic>
       <p:sp>
         <p:nvSpPr>
-          <p:cNvPr id="160" name="Google Shape;88;p 1"/>
+          <p:cNvPr id="158" name="Google Shape;88;p 1"/>
           <p:cNvSpPr/>
           <p:nvPr/>
         </p:nvSpPr>
         <p:spPr>
           <a:xfrm>
             <a:off x="7772400" y="4816440"/>
-            <a:ext cx="1350000" cy="275400"/>
+            <a:ext cx="1348920" cy="275400"/>
           </a:xfrm>
           <a:prstGeom prst="rect">
             <a:avLst/>
@@ -15431,14 +14992,14 @@
       </p:sp>
       <p:sp>
         <p:nvSpPr>
-          <p:cNvPr id="161" name="Google Shape;88;p 2"/>
+          <p:cNvPr id="159" name="Google Shape;88;p 2"/>
           <p:cNvSpPr/>
           <p:nvPr/>
         </p:nvSpPr>
         <p:spPr>
           <a:xfrm>
             <a:off x="7772400" y="4816440"/>
-            <a:ext cx="1350000" cy="275400"/>
+            <a:ext cx="1348920" cy="275400"/>
           </a:xfrm>
           <a:prstGeom prst="rect">
             <a:avLst/>
@@ -15518,7 +15079,7 @@
       </p:grpSpPr>
       <p:sp>
         <p:nvSpPr>
-          <p:cNvPr id="162" name="PlaceHolder 1"/>
+          <p:cNvPr id="160" name="PlaceHolder 1"/>
           <p:cNvSpPr>
             <a:spLocks noGrp="1"/>
           </p:cNvSpPr>
@@ -15529,7 +15090,7 @@
         <p:spPr>
           <a:xfrm>
             <a:off x="729360" y="1322280"/>
-            <a:ext cx="7686720" cy="1516680"/>
+            <a:ext cx="7685640" cy="1515600"/>
           </a:xfrm>
           <a:prstGeom prst="rect">
             <a:avLst/>
@@ -15574,7 +15135,7 @@
       </p:sp>
       <p:pic>
         <p:nvPicPr>
-          <p:cNvPr id="163" name="" descr=""/>
+          <p:cNvPr id="161" name="" descr=""/>
           <p:cNvPicPr/>
           <p:nvPr/>
         </p:nvPicPr>
@@ -15585,7 +15146,7 @@
         <p:spPr>
           <a:xfrm>
             <a:off x="7591680" y="0"/>
-            <a:ext cx="1550880" cy="1161360"/>
+            <a:ext cx="1549800" cy="1160280"/>
           </a:xfrm>
           <a:prstGeom prst="rect">
             <a:avLst/>
@@ -15627,7 +15188,7 @@
       </p:grpSpPr>
       <p:sp>
         <p:nvSpPr>
-          <p:cNvPr id="164" name="PlaceHolder 1"/>
+          <p:cNvPr id="162" name="PlaceHolder 1"/>
           <p:cNvSpPr>
             <a:spLocks noGrp="1"/>
           </p:cNvSpPr>
@@ -15638,7 +15199,7 @@
         <p:spPr>
           <a:xfrm>
             <a:off x="729360" y="864360"/>
-            <a:ext cx="7019280" cy="2983320"/>
+            <a:ext cx="7018200" cy="2982240"/>
           </a:xfrm>
           <a:prstGeom prst="rect">
             <a:avLst/>
@@ -15683,7 +15244,7 @@
       </p:sp>
       <p:pic>
         <p:nvPicPr>
-          <p:cNvPr id="165" name="" descr=""/>
+          <p:cNvPr id="163" name="" descr=""/>
           <p:cNvPicPr/>
           <p:nvPr/>
         </p:nvPicPr>
@@ -15694,7 +15255,7 @@
         <p:spPr>
           <a:xfrm>
             <a:off x="7591680" y="0"/>
-            <a:ext cx="1550880" cy="1161360"/>
+            <a:ext cx="1549800" cy="1160280"/>
           </a:xfrm>
           <a:prstGeom prst="rect">
             <a:avLst/>
@@ -15706,14 +15267,14 @@
       </p:pic>
       <p:sp>
         <p:nvSpPr>
-          <p:cNvPr id="166" name="Google Shape;88;p 3"/>
+          <p:cNvPr id="164" name="Google Shape;88;p 3"/>
           <p:cNvSpPr/>
           <p:nvPr/>
         </p:nvSpPr>
         <p:spPr>
           <a:xfrm>
             <a:off x="7772400" y="4816440"/>
-            <a:ext cx="1350000" cy="275400"/>
+            <a:ext cx="1348920" cy="275400"/>
           </a:xfrm>
           <a:prstGeom prst="rect">
             <a:avLst/>
@@ -15793,7 +15354,7 @@
       </p:grpSpPr>
       <p:sp>
         <p:nvSpPr>
-          <p:cNvPr id="167" name="PlaceHolder 1"/>
+          <p:cNvPr id="165" name="PlaceHolder 1"/>
           <p:cNvSpPr>
             <a:spLocks noGrp="1"/>
           </p:cNvSpPr>
@@ -15804,7 +15365,7 @@
         <p:spPr>
           <a:xfrm>
             <a:off x="729360" y="1322280"/>
-            <a:ext cx="7686720" cy="1516680"/>
+            <a:ext cx="7685640" cy="1515600"/>
           </a:xfrm>
           <a:prstGeom prst="rect">
             <a:avLst/>
@@ -15849,7 +15410,7 @@
       </p:sp>
       <p:pic>
         <p:nvPicPr>
-          <p:cNvPr id="168" name="" descr=""/>
+          <p:cNvPr id="166" name="" descr=""/>
           <p:cNvPicPr/>
           <p:nvPr/>
         </p:nvPicPr>
@@ -15860,7 +15421,7 @@
         <p:spPr>
           <a:xfrm>
             <a:off x="7592040" y="360"/>
-            <a:ext cx="1550880" cy="1161360"/>
+            <a:ext cx="1549800" cy="1160280"/>
           </a:xfrm>
           <a:prstGeom prst="rect">
             <a:avLst/>
@@ -15902,7 +15463,7 @@
       </p:grpSpPr>
       <p:sp>
         <p:nvSpPr>
-          <p:cNvPr id="169" name="PlaceHolder 1"/>
+          <p:cNvPr id="167" name="PlaceHolder 1"/>
           <p:cNvSpPr>
             <a:spLocks noGrp="1"/>
           </p:cNvSpPr>
@@ -15913,7 +15474,7 @@
         <p:spPr>
           <a:xfrm>
             <a:off x="729360" y="1318680"/>
-            <a:ext cx="7687080" cy="533520"/>
+            <a:ext cx="7686000" cy="532440"/>
           </a:xfrm>
           <a:prstGeom prst="rect">
             <a:avLst/>
@@ -15958,7 +15519,7 @@
       </p:sp>
       <p:sp>
         <p:nvSpPr>
-          <p:cNvPr id="170" name="PlaceHolder 2"/>
+          <p:cNvPr id="168" name="PlaceHolder 2"/>
           <p:cNvSpPr>
             <a:spLocks noGrp="1"/>
           </p:cNvSpPr>
@@ -15969,7 +15530,7 @@
         <p:spPr>
           <a:xfrm>
             <a:off x="729360" y="2079000"/>
-            <a:ext cx="5780880" cy="2712240"/>
+            <a:ext cx="5779800" cy="2711160"/>
           </a:xfrm>
           <a:prstGeom prst="rect">
             <a:avLst/>
@@ -16157,7 +15718,7 @@
       </p:sp>
       <p:pic>
         <p:nvPicPr>
-          <p:cNvPr id="171" name="Google Shape;106;p16" descr=""/>
+          <p:cNvPr id="169" name="Google Shape;106;p16" descr=""/>
           <p:cNvPicPr/>
           <p:nvPr/>
         </p:nvPicPr>
@@ -16168,7 +15729,7 @@
         <p:spPr>
           <a:xfrm>
             <a:off x="6445800" y="1926360"/>
-            <a:ext cx="2531880" cy="2441520"/>
+            <a:ext cx="2530800" cy="2440440"/>
           </a:xfrm>
           <a:prstGeom prst="rect">
             <a:avLst/>
@@ -16180,7 +15741,7 @@
       </p:pic>
       <p:pic>
         <p:nvPicPr>
-          <p:cNvPr id="172" name="" descr=""/>
+          <p:cNvPr id="170" name="" descr=""/>
           <p:cNvPicPr/>
           <p:nvPr/>
         </p:nvPicPr>
@@ -16191,7 +15752,7 @@
         <p:spPr>
           <a:xfrm>
             <a:off x="7592040" y="360"/>
-            <a:ext cx="1550880" cy="1161360"/>
+            <a:ext cx="1549800" cy="1160280"/>
           </a:xfrm>
           <a:prstGeom prst="rect">
             <a:avLst/>
@@ -16203,14 +15764,14 @@
       </p:pic>
       <p:sp>
         <p:nvSpPr>
-          <p:cNvPr id="173" name="Google Shape;88;p 4"/>
+          <p:cNvPr id="171" name="Google Shape;88;p 4"/>
           <p:cNvSpPr/>
           <p:nvPr/>
         </p:nvSpPr>
         <p:spPr>
           <a:xfrm>
             <a:off x="7772400" y="4816440"/>
-            <a:ext cx="1350000" cy="275400"/>
+            <a:ext cx="1348920" cy="275400"/>
           </a:xfrm>
           <a:prstGeom prst="rect">
             <a:avLst/>
@@ -16290,7 +15851,7 @@
       </p:grpSpPr>
       <p:sp>
         <p:nvSpPr>
-          <p:cNvPr id="174" name="PlaceHolder 1"/>
+          <p:cNvPr id="172" name="PlaceHolder 1"/>
           <p:cNvSpPr>
             <a:spLocks noGrp="1"/>
           </p:cNvSpPr>
@@ -16301,7 +15862,7 @@
         <p:spPr>
           <a:xfrm>
             <a:off x="729360" y="1318680"/>
-            <a:ext cx="7687080" cy="533520"/>
+            <a:ext cx="7686000" cy="532440"/>
           </a:xfrm>
           <a:prstGeom prst="rect">
             <a:avLst/>
@@ -16363,7 +15924,7 @@
       </p:sp>
       <p:sp>
         <p:nvSpPr>
-          <p:cNvPr id="175" name="PlaceHolder 2"/>
+          <p:cNvPr id="173" name="PlaceHolder 2"/>
           <p:cNvSpPr>
             <a:spLocks noGrp="1"/>
           </p:cNvSpPr>
@@ -16374,7 +15935,7 @@
         <p:spPr>
           <a:xfrm>
             <a:off x="729360" y="2079000"/>
-            <a:ext cx="7687080" cy="2259360"/>
+            <a:ext cx="7686000" cy="2258280"/>
           </a:xfrm>
           <a:prstGeom prst="rect">
             <a:avLst/>
@@ -16586,7 +16147,7 @@
       </p:sp>
       <p:pic>
         <p:nvPicPr>
-          <p:cNvPr id="176" name="" descr=""/>
+          <p:cNvPr id="174" name="" descr=""/>
           <p:cNvPicPr/>
           <p:nvPr/>
         </p:nvPicPr>
@@ -16597,7 +16158,7 @@
         <p:spPr>
           <a:xfrm>
             <a:off x="7592040" y="360"/>
-            <a:ext cx="1550880" cy="1161360"/>
+            <a:ext cx="1549800" cy="1160280"/>
           </a:xfrm>
           <a:prstGeom prst="rect">
             <a:avLst/>
@@ -16609,14 +16170,14 @@
       </p:pic>
       <p:sp>
         <p:nvSpPr>
-          <p:cNvPr id="177" name="Google Shape;88;p 5"/>
+          <p:cNvPr id="175" name="Google Shape;88;p 5"/>
           <p:cNvSpPr/>
           <p:nvPr/>
         </p:nvSpPr>
         <p:spPr>
           <a:xfrm>
             <a:off x="7772400" y="4816440"/>
-            <a:ext cx="1350000" cy="275400"/>
+            <a:ext cx="1348920" cy="275400"/>
           </a:xfrm>
           <a:prstGeom prst="rect">
             <a:avLst/>
@@ -16696,7 +16257,7 @@
       </p:grpSpPr>
       <p:sp>
         <p:nvSpPr>
-          <p:cNvPr id="178" name="PlaceHolder 1"/>
+          <p:cNvPr id="176" name="PlaceHolder 1"/>
           <p:cNvSpPr>
             <a:spLocks noGrp="1"/>
           </p:cNvSpPr>
@@ -16707,7 +16268,7 @@
         <p:spPr>
           <a:xfrm>
             <a:off x="729360" y="1318680"/>
-            <a:ext cx="7687080" cy="533520"/>
+            <a:ext cx="7686000" cy="532440"/>
           </a:xfrm>
           <a:prstGeom prst="rect">
             <a:avLst/>
@@ -16752,7 +16313,7 @@
       </p:sp>
       <p:sp>
         <p:nvSpPr>
-          <p:cNvPr id="179" name="PlaceHolder 2"/>
+          <p:cNvPr id="177" name="PlaceHolder 2"/>
           <p:cNvSpPr>
             <a:spLocks noGrp="1"/>
           </p:cNvSpPr>
@@ -16763,7 +16324,7 @@
         <p:spPr>
           <a:xfrm>
             <a:off x="729360" y="2079000"/>
-            <a:ext cx="7687080" cy="2259360"/>
+            <a:ext cx="7686000" cy="2258280"/>
           </a:xfrm>
           <a:prstGeom prst="rect">
             <a:avLst/>
@@ -16934,7 +16495,7 @@
       </p:sp>
       <p:pic>
         <p:nvPicPr>
-          <p:cNvPr id="180" name="" descr=""/>
+          <p:cNvPr id="178" name="" descr=""/>
           <p:cNvPicPr/>
           <p:nvPr/>
         </p:nvPicPr>
@@ -16945,7 +16506,7 @@
         <p:spPr>
           <a:xfrm>
             <a:off x="7592040" y="360"/>
-            <a:ext cx="1550880" cy="1161360"/>
+            <a:ext cx="1549800" cy="1160280"/>
           </a:xfrm>
           <a:prstGeom prst="rect">
             <a:avLst/>
@@ -16957,14 +16518,14 @@
       </p:pic>
       <p:sp>
         <p:nvSpPr>
-          <p:cNvPr id="181" name="Google Shape;88;p 6"/>
+          <p:cNvPr id="179" name="Google Shape;88;p 6"/>
           <p:cNvSpPr/>
           <p:nvPr/>
         </p:nvSpPr>
         <p:spPr>
           <a:xfrm>
             <a:off x="7772400" y="4816440"/>
-            <a:ext cx="1350000" cy="275400"/>
+            <a:ext cx="1348920" cy="275400"/>
           </a:xfrm>
           <a:prstGeom prst="rect">
             <a:avLst/>
@@ -17044,7 +16605,7 @@
       </p:grpSpPr>
       <p:sp>
         <p:nvSpPr>
-          <p:cNvPr id="182" name="PlaceHolder 1"/>
+          <p:cNvPr id="180" name="PlaceHolder 1"/>
           <p:cNvSpPr>
             <a:spLocks noGrp="1"/>
           </p:cNvSpPr>
@@ -17055,7 +16616,7 @@
         <p:spPr>
           <a:xfrm>
             <a:off x="729360" y="1318680"/>
-            <a:ext cx="7687080" cy="533520"/>
+            <a:ext cx="7686000" cy="532440"/>
           </a:xfrm>
           <a:prstGeom prst="rect">
             <a:avLst/>
@@ -17100,7 +16661,7 @@
       </p:sp>
       <p:sp>
         <p:nvSpPr>
-          <p:cNvPr id="183" name="PlaceHolder 2"/>
+          <p:cNvPr id="181" name="PlaceHolder 2"/>
           <p:cNvSpPr>
             <a:spLocks noGrp="1"/>
           </p:cNvSpPr>
@@ -17111,7 +16672,7 @@
         <p:spPr>
           <a:xfrm>
             <a:off x="729360" y="2079000"/>
-            <a:ext cx="7687080" cy="2259360"/>
+            <a:ext cx="7686000" cy="2258280"/>
           </a:xfrm>
           <a:prstGeom prst="rect">
             <a:avLst/>
@@ -17229,7 +16790,7 @@
       </p:sp>
       <p:pic>
         <p:nvPicPr>
-          <p:cNvPr id="184" name="Google Shape;125;p19" descr=""/>
+          <p:cNvPr id="182" name="Google Shape;125;p19" descr=""/>
           <p:cNvPicPr/>
           <p:nvPr/>
         </p:nvPicPr>
@@ -17240,7 +16801,7 @@
         <p:spPr>
           <a:xfrm>
             <a:off x="4647960" y="4210200"/>
-            <a:ext cx="1411920" cy="765360"/>
+            <a:ext cx="1410840" cy="764280"/>
           </a:xfrm>
           <a:prstGeom prst="rect">
             <a:avLst/>
@@ -17252,7 +16813,7 @@
       </p:pic>
       <p:pic>
         <p:nvPicPr>
-          <p:cNvPr id="185" name="Google Shape;126;p19" descr=""/>
+          <p:cNvPr id="183" name="Google Shape;126;p19" descr=""/>
           <p:cNvPicPr/>
           <p:nvPr/>
         </p:nvPicPr>
@@ -17263,7 +16824,7 @@
         <p:spPr>
           <a:xfrm>
             <a:off x="6413400" y="4341960"/>
-            <a:ext cx="1411920" cy="502200"/>
+            <a:ext cx="1410840" cy="501120"/>
           </a:xfrm>
           <a:prstGeom prst="rect">
             <a:avLst/>
@@ -17275,7 +16836,7 @@
       </p:pic>
       <p:pic>
         <p:nvPicPr>
-          <p:cNvPr id="186" name="Google Shape;127;p19" descr=""/>
+          <p:cNvPr id="184" name="Google Shape;127;p19" descr=""/>
           <p:cNvPicPr/>
           <p:nvPr/>
         </p:nvPicPr>
@@ -17286,7 +16847,7 @@
         <p:spPr>
           <a:xfrm>
             <a:off x="3003480" y="4240440"/>
-            <a:ext cx="1411920" cy="705240"/>
+            <a:ext cx="1410840" cy="704160"/>
           </a:xfrm>
           <a:prstGeom prst="rect">
             <a:avLst/>
@@ -17298,7 +16859,7 @@
       </p:pic>
       <p:pic>
         <p:nvPicPr>
-          <p:cNvPr id="187" name="Google Shape;128;p19" descr=""/>
+          <p:cNvPr id="185" name="Google Shape;128;p19" descr=""/>
           <p:cNvPicPr/>
           <p:nvPr/>
         </p:nvPicPr>
@@ -17309,7 +16870,7 @@
         <p:spPr>
           <a:xfrm>
             <a:off x="964440" y="4295880"/>
-            <a:ext cx="1320120" cy="484200"/>
+            <a:ext cx="1319040" cy="483120"/>
           </a:xfrm>
           <a:prstGeom prst="rect">
             <a:avLst/>
@@ -17321,7 +16882,7 @@
       </p:pic>
       <p:pic>
         <p:nvPicPr>
-          <p:cNvPr id="188" name="" descr=""/>
+          <p:cNvPr id="186" name="" descr=""/>
           <p:cNvPicPr/>
           <p:nvPr/>
         </p:nvPicPr>
@@ -17332,7 +16893,7 @@
         <p:spPr>
           <a:xfrm>
             <a:off x="7592040" y="360"/>
-            <a:ext cx="1550880" cy="1161360"/>
+            <a:ext cx="1549800" cy="1160280"/>
           </a:xfrm>
           <a:prstGeom prst="rect">
             <a:avLst/>
@@ -17344,14 +16905,14 @@
       </p:pic>
       <p:sp>
         <p:nvSpPr>
-          <p:cNvPr id="189" name="Google Shape;88;p 19"/>
+          <p:cNvPr id="187" name="Google Shape;88;p 19"/>
           <p:cNvSpPr/>
           <p:nvPr/>
         </p:nvSpPr>
         <p:spPr>
           <a:xfrm>
             <a:off x="7772400" y="4816440"/>
-            <a:ext cx="1350000" cy="275400"/>
+            <a:ext cx="1348920" cy="275400"/>
           </a:xfrm>
           <a:prstGeom prst="rect">
             <a:avLst/>
